--- a/Nebula/Nebula Level00~Level03.pptx
+++ b/Nebula/Nebula Level00~Level03.pptx
@@ -16,6 +16,11 @@
     <p:sldId id="264" r:id="rId10"/>
     <p:sldId id="265" r:id="rId11"/>
     <p:sldId id="266" r:id="rId12"/>
+    <p:sldId id="267" r:id="rId13"/>
+    <p:sldId id="268" r:id="rId14"/>
+    <p:sldId id="269" r:id="rId15"/>
+    <p:sldId id="270" r:id="rId16"/>
+    <p:sldId id="271" r:id="rId17"/>
   </p:sldIdLst>
   <p:sldSz cx="12192000" cy="6858000"/>
   <p:notesSz cx="6858000" cy="9144000"/>
@@ -114,12 +119,17 @@
       </a:defRPr>
     </a:lvl9pPr>
   </p:defaultTextStyle>
+  <p:extLst>
+    <p:ext uri="{EFAFB233-063F-42B5-8137-9DF3F51BA10A}">
+      <p15:sldGuideLst xmlns:p15="http://schemas.microsoft.com/office/powerpoint/2012/main"/>
+    </p:ext>
+  </p:extLst>
 </p:presentation>
 </file>
 
 <file path=ppt/commentAuthors.xml><?xml version="1.0" encoding="utf-8"?>
 <p:cmAuthorLst xmlns:a="http://schemas.openxmlformats.org/drawingml/2006/main" xmlns:r="http://schemas.openxmlformats.org/officeDocument/2006/relationships" xmlns:p="http://schemas.openxmlformats.org/presentationml/2006/main">
-  <p:cmAuthor id="1" name="이준회" initials="이" lastIdx="1" clrIdx="0">
+  <p:cmAuthor id="1" name="이준회" initials="이" lastIdx="2" clrIdx="0">
     <p:extLst>
       <p:ext uri="{19B8F6BF-5375-455C-9EA6-DF929625EA0E}">
         <p15:presenceInfo xmlns:p15="http://schemas.microsoft.com/office/powerpoint/2012/main" userId="S::realistic20@gc.gachon.ac.kr::ccba9022-1668-4fea-96c6-47fd776df7a5" providerId="AD"/>
@@ -276,7 +286,7 @@
           <a:p>
             <a:fld id="{A0603335-969B-4A58-B613-551E0F7626BA}" type="datetimeFigureOut">
               <a:rPr lang="ko-KR" altLang="en-US" smtClean="0"/>
-              <a:t>2019-12-16</a:t>
+              <a:t>2019-12-17</a:t>
             </a:fld>
             <a:endParaRPr lang="ko-KR" altLang="en-US"/>
           </a:p>
@@ -474,7 +484,7 @@
           <a:p>
             <a:fld id="{A0603335-969B-4A58-B613-551E0F7626BA}" type="datetimeFigureOut">
               <a:rPr lang="ko-KR" altLang="en-US" smtClean="0"/>
-              <a:t>2019-12-16</a:t>
+              <a:t>2019-12-17</a:t>
             </a:fld>
             <a:endParaRPr lang="ko-KR" altLang="en-US"/>
           </a:p>
@@ -682,7 +692,7 @@
           <a:p>
             <a:fld id="{A0603335-969B-4A58-B613-551E0F7626BA}" type="datetimeFigureOut">
               <a:rPr lang="ko-KR" altLang="en-US" smtClean="0"/>
-              <a:t>2019-12-16</a:t>
+              <a:t>2019-12-17</a:t>
             </a:fld>
             <a:endParaRPr lang="ko-KR" altLang="en-US"/>
           </a:p>
@@ -880,7 +890,7 @@
           <a:p>
             <a:fld id="{A0603335-969B-4A58-B613-551E0F7626BA}" type="datetimeFigureOut">
               <a:rPr lang="ko-KR" altLang="en-US" smtClean="0"/>
-              <a:t>2019-12-16</a:t>
+              <a:t>2019-12-17</a:t>
             </a:fld>
             <a:endParaRPr lang="ko-KR" altLang="en-US"/>
           </a:p>
@@ -1155,7 +1165,7 @@
           <a:p>
             <a:fld id="{A0603335-969B-4A58-B613-551E0F7626BA}" type="datetimeFigureOut">
               <a:rPr lang="ko-KR" altLang="en-US" smtClean="0"/>
-              <a:t>2019-12-16</a:t>
+              <a:t>2019-12-17</a:t>
             </a:fld>
             <a:endParaRPr lang="ko-KR" altLang="en-US"/>
           </a:p>
@@ -1420,7 +1430,7 @@
           <a:p>
             <a:fld id="{A0603335-969B-4A58-B613-551E0F7626BA}" type="datetimeFigureOut">
               <a:rPr lang="ko-KR" altLang="en-US" smtClean="0"/>
-              <a:t>2019-12-16</a:t>
+              <a:t>2019-12-17</a:t>
             </a:fld>
             <a:endParaRPr lang="ko-KR" altLang="en-US"/>
           </a:p>
@@ -1832,7 +1842,7 @@
           <a:p>
             <a:fld id="{A0603335-969B-4A58-B613-551E0F7626BA}" type="datetimeFigureOut">
               <a:rPr lang="ko-KR" altLang="en-US" smtClean="0"/>
-              <a:t>2019-12-16</a:t>
+              <a:t>2019-12-17</a:t>
             </a:fld>
             <a:endParaRPr lang="ko-KR" altLang="en-US"/>
           </a:p>
@@ -1973,7 +1983,7 @@
           <a:p>
             <a:fld id="{A0603335-969B-4A58-B613-551E0F7626BA}" type="datetimeFigureOut">
               <a:rPr lang="ko-KR" altLang="en-US" smtClean="0"/>
-              <a:t>2019-12-16</a:t>
+              <a:t>2019-12-17</a:t>
             </a:fld>
             <a:endParaRPr lang="ko-KR" altLang="en-US"/>
           </a:p>
@@ -2086,7 +2096,7 @@
           <a:p>
             <a:fld id="{A0603335-969B-4A58-B613-551E0F7626BA}" type="datetimeFigureOut">
               <a:rPr lang="ko-KR" altLang="en-US" smtClean="0"/>
-              <a:t>2019-12-16</a:t>
+              <a:t>2019-12-17</a:t>
             </a:fld>
             <a:endParaRPr lang="ko-KR" altLang="en-US"/>
           </a:p>
@@ -2397,7 +2407,7 @@
           <a:p>
             <a:fld id="{A0603335-969B-4A58-B613-551E0F7626BA}" type="datetimeFigureOut">
               <a:rPr lang="ko-KR" altLang="en-US" smtClean="0"/>
-              <a:t>2019-12-16</a:t>
+              <a:t>2019-12-17</a:t>
             </a:fld>
             <a:endParaRPr lang="ko-KR" altLang="en-US"/>
           </a:p>
@@ -2685,7 +2695,7 @@
           <a:p>
             <a:fld id="{A0603335-969B-4A58-B613-551E0F7626BA}" type="datetimeFigureOut">
               <a:rPr lang="ko-KR" altLang="en-US" smtClean="0"/>
-              <a:t>2019-12-16</a:t>
+              <a:t>2019-12-17</a:t>
             </a:fld>
             <a:endParaRPr lang="ko-KR" altLang="en-US"/>
           </a:p>
@@ -2926,7 +2936,7 @@
           <a:p>
             <a:fld id="{A0603335-969B-4A58-B613-551E0F7626BA}" type="datetimeFigureOut">
               <a:rPr lang="ko-KR" altLang="en-US" smtClean="0"/>
-              <a:t>2019-12-16</a:t>
+              <a:t>2019-12-17</a:t>
             </a:fld>
             <a:endParaRPr lang="ko-KR" altLang="en-US"/>
           </a:p>
@@ -3717,6 +3727,892 @@
     <p:extLst>
       <p:ext uri="{BB962C8B-B14F-4D97-AF65-F5344CB8AC3E}">
         <p14:creationId xmlns:p14="http://schemas.microsoft.com/office/powerpoint/2010/main" val="2921766239"/>
+      </p:ext>
+    </p:extLst>
+  </p:cSld>
+  <p:clrMapOvr>
+    <a:masterClrMapping/>
+  </p:clrMapOvr>
+</p:sld>
+</file>
+
+<file path=ppt/slides/slide12.xml><?xml version="1.0" encoding="utf-8"?>
+<p:sld xmlns:a="http://schemas.openxmlformats.org/drawingml/2006/main" xmlns:r="http://schemas.openxmlformats.org/officeDocument/2006/relationships" xmlns:p="http://schemas.openxmlformats.org/presentationml/2006/main">
+  <p:cSld>
+    <p:spTree>
+      <p:nvGrpSpPr>
+        <p:cNvPr id="1" name=""/>
+        <p:cNvGrpSpPr/>
+        <p:nvPr/>
+      </p:nvGrpSpPr>
+      <p:grpSpPr>
+        <a:xfrm>
+          <a:off x="0" y="0"/>
+          <a:ext cx="0" cy="0"/>
+          <a:chOff x="0" y="0"/>
+          <a:chExt cx="0" cy="0"/>
+        </a:xfrm>
+      </p:grpSpPr>
+      <p:sp>
+        <p:nvSpPr>
+          <p:cNvPr id="2" name="제목 1">
+            <a:extLst>
+              <a:ext uri="{FF2B5EF4-FFF2-40B4-BE49-F238E27FC236}">
+                <a16:creationId xmlns:a16="http://schemas.microsoft.com/office/drawing/2014/main" id="{60E63B31-DB4C-4D0C-9361-584B65E1C71F}"/>
+              </a:ext>
+            </a:extLst>
+          </p:cNvPr>
+          <p:cNvSpPr>
+            <a:spLocks noGrp="1"/>
+          </p:cNvSpPr>
+          <p:nvPr>
+            <p:ph type="title"/>
+          </p:nvPr>
+        </p:nvSpPr>
+        <p:spPr/>
+        <p:txBody>
+          <a:bodyPr/>
+          <a:lstStyle/>
+          <a:p>
+            <a:r>
+              <a:rPr lang="en-US" altLang="ko-KR" dirty="0"/>
+              <a:t>Level 02</a:t>
+            </a:r>
+            <a:endParaRPr lang="ko-KR" altLang="en-US" dirty="0"/>
+          </a:p>
+        </p:txBody>
+      </p:sp>
+      <p:pic>
+        <p:nvPicPr>
+          <p:cNvPr id="5" name="내용 개체 틀 4" descr="스크린샷이(가) 표시된 사진&#10;&#10;자동 생성된 설명">
+            <a:extLst>
+              <a:ext uri="{FF2B5EF4-FFF2-40B4-BE49-F238E27FC236}">
+                <a16:creationId xmlns:a16="http://schemas.microsoft.com/office/drawing/2014/main" id="{E161FFC7-3E10-4A73-BB06-FE3E06254525}"/>
+              </a:ext>
+            </a:extLst>
+          </p:cNvPr>
+          <p:cNvPicPr>
+            <a:picLocks noGrp="1" noChangeAspect="1"/>
+          </p:cNvPicPr>
+          <p:nvPr>
+            <p:ph idx="1"/>
+          </p:nvPr>
+        </p:nvPicPr>
+        <p:blipFill>
+          <a:blip r:embed="rId2">
+            <a:extLst>
+              <a:ext uri="{28A0092B-C50C-407E-A947-70E740481C1C}">
+                <a14:useLocalDpi xmlns:a14="http://schemas.microsoft.com/office/drawing/2010/main" val="0"/>
+              </a:ext>
+            </a:extLst>
+          </a:blip>
+          <a:stretch>
+            <a:fillRect/>
+          </a:stretch>
+        </p:blipFill>
+        <p:spPr>
+          <a:xfrm>
+            <a:off x="922340" y="1334277"/>
+            <a:ext cx="9649244" cy="5327779"/>
+          </a:xfrm>
+        </p:spPr>
+      </p:pic>
+    </p:spTree>
+    <p:extLst>
+      <p:ext uri="{BB962C8B-B14F-4D97-AF65-F5344CB8AC3E}">
+        <p14:creationId xmlns:p14="http://schemas.microsoft.com/office/powerpoint/2010/main" val="3306178839"/>
+      </p:ext>
+    </p:extLst>
+  </p:cSld>
+  <p:clrMapOvr>
+    <a:masterClrMapping/>
+  </p:clrMapOvr>
+</p:sld>
+</file>
+
+<file path=ppt/slides/slide13.xml><?xml version="1.0" encoding="utf-8"?>
+<p:sld xmlns:a="http://schemas.openxmlformats.org/drawingml/2006/main" xmlns:r="http://schemas.openxmlformats.org/officeDocument/2006/relationships" xmlns:p="http://schemas.openxmlformats.org/presentationml/2006/main">
+  <p:cSld>
+    <p:bg>
+      <p:bgPr>
+        <a:solidFill>
+          <a:schemeClr val="bg1"/>
+        </a:solidFill>
+        <a:effectLst/>
+      </p:bgPr>
+    </p:bg>
+    <p:spTree>
+      <p:nvGrpSpPr>
+        <p:cNvPr id="1" name=""/>
+        <p:cNvGrpSpPr/>
+        <p:nvPr/>
+      </p:nvGrpSpPr>
+      <p:grpSpPr>
+        <a:xfrm>
+          <a:off x="0" y="0"/>
+          <a:ext cx="0" cy="0"/>
+          <a:chOff x="0" y="0"/>
+          <a:chExt cx="0" cy="0"/>
+        </a:xfrm>
+      </p:grpSpPr>
+      <p:sp useBgFill="1">
+        <p:nvSpPr>
+          <p:cNvPr id="16" name="Rectangle 15">
+            <a:extLst>
+              <a:ext uri="{FF2B5EF4-FFF2-40B4-BE49-F238E27FC236}">
+                <a16:creationId xmlns:a16="http://schemas.microsoft.com/office/drawing/2014/main" id="{92468898-5A6E-4D55-85EC-308E785EE06C}"/>
+              </a:ext>
+              <a:ext uri="{C183D7F6-B498-43B3-948B-1728B52AA6E4}">
+                <adec:decorative xmlns:adec="http://schemas.microsoft.com/office/drawing/2017/decorative" val="1"/>
+              </a:ext>
+            </a:extLst>
+          </p:cNvPr>
+          <p:cNvSpPr>
+            <a:spLocks noGrp="1" noRot="1" noChangeAspect="1" noMove="1" noResize="1" noEditPoints="1" noAdjustHandles="1" noChangeArrowheads="1" noChangeShapeType="1" noTextEdit="1"/>
+          </p:cNvSpPr>
+          <p:nvPr>
+            <p:extLst>
+              <p:ext uri="{386F3935-93C4-4BCD-93E2-E3B085C9AB24}">
+                <p16:designElem xmlns:p16="http://schemas.microsoft.com/office/powerpoint/2015/main" val="1"/>
+              </p:ext>
+            </p:extLst>
+          </p:nvPr>
+        </p:nvSpPr>
+        <p:spPr>
+          <a:xfrm>
+            <a:off x="0" y="0"/>
+            <a:ext cx="12192000" cy="6858000"/>
+          </a:xfrm>
+          <a:prstGeom prst="rect">
+            <a:avLst/>
+          </a:prstGeom>
+          <a:ln>
+            <a:noFill/>
+          </a:ln>
+        </p:spPr>
+        <p:style>
+          <a:lnRef idx="2">
+            <a:schemeClr val="accent1">
+              <a:shade val="50000"/>
+            </a:schemeClr>
+          </a:lnRef>
+          <a:fillRef idx="1">
+            <a:schemeClr val="accent1"/>
+          </a:fillRef>
+          <a:effectRef idx="0">
+            <a:schemeClr val="accent1"/>
+          </a:effectRef>
+          <a:fontRef idx="minor">
+            <a:schemeClr val="lt1"/>
+          </a:fontRef>
+        </p:style>
+        <p:txBody>
+          <a:bodyPr rtlCol="0" anchor="ctr"/>
+          <a:lstStyle/>
+          <a:p>
+            <a:pPr algn="ctr"/>
+            <a:endParaRPr lang="en-US"/>
+          </a:p>
+        </p:txBody>
+      </p:sp>
+      <p:sp>
+        <p:nvSpPr>
+          <p:cNvPr id="2" name="제목 1">
+            <a:extLst>
+              <a:ext uri="{FF2B5EF4-FFF2-40B4-BE49-F238E27FC236}">
+                <a16:creationId xmlns:a16="http://schemas.microsoft.com/office/drawing/2014/main" id="{F5D54079-7121-4F70-A67A-849A304FCB90}"/>
+              </a:ext>
+            </a:extLst>
+          </p:cNvPr>
+          <p:cNvSpPr>
+            <a:spLocks noGrp="1"/>
+          </p:cNvSpPr>
+          <p:nvPr>
+            <p:ph type="title"/>
+          </p:nvPr>
+        </p:nvSpPr>
+        <p:spPr>
+          <a:xfrm>
+            <a:off x="429768" y="411480"/>
+            <a:ext cx="11201400" cy="1106424"/>
+          </a:xfrm>
+        </p:spPr>
+        <p:txBody>
+          <a:bodyPr>
+            <a:normAutofit/>
+          </a:bodyPr>
+          <a:lstStyle/>
+          <a:p>
+            <a:r>
+              <a:rPr lang="en-US" altLang="ko-KR" sz="3600"/>
+              <a:t>Level 02</a:t>
+            </a:r>
+            <a:endParaRPr lang="ko-KR" altLang="en-US" sz="3600"/>
+          </a:p>
+        </p:txBody>
+      </p:sp>
+      <p:sp>
+        <p:nvSpPr>
+          <p:cNvPr id="18" name="Rectangle 17">
+            <a:extLst>
+              <a:ext uri="{FF2B5EF4-FFF2-40B4-BE49-F238E27FC236}">
+                <a16:creationId xmlns:a16="http://schemas.microsoft.com/office/drawing/2014/main" id="{3E23A947-2D45-4208-AE2B-64948C87A3EB}"/>
+              </a:ext>
+              <a:ext uri="{C183D7F6-B498-43B3-948B-1728B52AA6E4}">
+                <adec:decorative xmlns:adec="http://schemas.microsoft.com/office/drawing/2017/decorative" val="1"/>
+              </a:ext>
+            </a:extLst>
+          </p:cNvPr>
+          <p:cNvSpPr>
+            <a:spLocks noGrp="1" noRot="1" noChangeAspect="1" noMove="1" noResize="1" noEditPoints="1" noAdjustHandles="1" noChangeArrowheads="1" noChangeShapeType="1" noTextEdit="1"/>
+          </p:cNvSpPr>
+          <p:nvPr>
+            <p:extLst>
+              <p:ext uri="{386F3935-93C4-4BCD-93E2-E3B085C9AB24}">
+                <p16:designElem xmlns:p16="http://schemas.microsoft.com/office/powerpoint/2015/main" val="1"/>
+              </p:ext>
+            </p:extLst>
+          </p:nvPr>
+        </p:nvSpPr>
+        <p:spPr>
+          <a:xfrm>
+            <a:off x="0" y="598458"/>
+            <a:ext cx="128016" cy="704088"/>
+          </a:xfrm>
+          <a:prstGeom prst="rect">
+            <a:avLst/>
+          </a:prstGeom>
+          <a:solidFill>
+            <a:schemeClr val="accent2"/>
+          </a:solidFill>
+          <a:ln>
+            <a:noFill/>
+          </a:ln>
+        </p:spPr>
+        <p:style>
+          <a:lnRef idx="2">
+            <a:schemeClr val="accent1">
+              <a:shade val="50000"/>
+            </a:schemeClr>
+          </a:lnRef>
+          <a:fillRef idx="1">
+            <a:schemeClr val="accent1"/>
+          </a:fillRef>
+          <a:effectRef idx="0">
+            <a:schemeClr val="accent1"/>
+          </a:effectRef>
+          <a:fontRef idx="minor">
+            <a:schemeClr val="lt1"/>
+          </a:fontRef>
+        </p:style>
+        <p:txBody>
+          <a:bodyPr rtlCol="0" anchor="ctr"/>
+          <a:lstStyle/>
+          <a:p>
+            <a:pPr algn="ctr"/>
+            <a:endParaRPr lang="en-US">
+              <a:solidFill>
+                <a:prstClr val="white"/>
+              </a:solidFill>
+              <a:latin typeface="Calibri" panose="020F0502020204030204"/>
+            </a:endParaRPr>
+          </a:p>
+        </p:txBody>
+      </p:sp>
+      <p:pic>
+        <p:nvPicPr>
+          <p:cNvPr id="9" name="내용 개체 틀 8" descr="스크린샷이(가) 표시된 사진&#10;&#10;자동 생성된 설명">
+            <a:extLst>
+              <a:ext uri="{FF2B5EF4-FFF2-40B4-BE49-F238E27FC236}">
+                <a16:creationId xmlns:a16="http://schemas.microsoft.com/office/drawing/2014/main" id="{7BE1FAC9-D913-421F-983E-AAF9F852ABE8}"/>
+              </a:ext>
+            </a:extLst>
+          </p:cNvPr>
+          <p:cNvPicPr>
+            <a:picLocks noChangeAspect="1"/>
+          </p:cNvPicPr>
+          <p:nvPr/>
+        </p:nvPicPr>
+        <p:blipFill>
+          <a:blip r:embed="rId2">
+            <a:extLst>
+              <a:ext uri="{28A0092B-C50C-407E-A947-70E740481C1C}">
+                <a14:useLocalDpi xmlns:a14="http://schemas.microsoft.com/office/drawing/2010/main" val="0"/>
+              </a:ext>
+            </a:extLst>
+          </a:blip>
+          <a:stretch>
+            <a:fillRect/>
+          </a:stretch>
+        </p:blipFill>
+        <p:spPr>
+          <a:xfrm>
+            <a:off x="429768" y="2134439"/>
+            <a:ext cx="6702552" cy="3686402"/>
+          </a:xfrm>
+          <a:prstGeom prst="rect">
+            <a:avLst/>
+          </a:prstGeom>
+        </p:spPr>
+      </p:pic>
+      <p:sp useBgFill="1">
+        <p:nvSpPr>
+          <p:cNvPr id="20" name="Rectangle 19">
+            <a:extLst>
+              <a:ext uri="{FF2B5EF4-FFF2-40B4-BE49-F238E27FC236}">
+                <a16:creationId xmlns:a16="http://schemas.microsoft.com/office/drawing/2014/main" id="{E5BBB0F9-6A59-4D02-A9C7-A2D6516684CE}"/>
+              </a:ext>
+              <a:ext uri="{C183D7F6-B498-43B3-948B-1728B52AA6E4}">
+                <adec:decorative xmlns:adec="http://schemas.microsoft.com/office/drawing/2017/decorative" val="1"/>
+              </a:ext>
+            </a:extLst>
+          </p:cNvPr>
+          <p:cNvSpPr>
+            <a:spLocks noGrp="1" noRot="1" noChangeAspect="1" noMove="1" noResize="1" noEditPoints="1" noAdjustHandles="1" noChangeArrowheads="1" noChangeShapeType="1" noTextEdit="1"/>
+          </p:cNvSpPr>
+          <p:nvPr>
+            <p:extLst>
+              <p:ext uri="{386F3935-93C4-4BCD-93E2-E3B085C9AB24}">
+                <p16:designElem xmlns:p16="http://schemas.microsoft.com/office/powerpoint/2015/main" val="1"/>
+              </p:ext>
+            </p:extLst>
+          </p:nvPr>
+        </p:nvSpPr>
+        <p:spPr>
+          <a:xfrm>
+            <a:off x="7543801" y="1721922"/>
+            <a:ext cx="4218432" cy="4520560"/>
+          </a:xfrm>
+          <a:prstGeom prst="rect">
+            <a:avLst/>
+          </a:prstGeom>
+          <a:ln w="9525">
+            <a:solidFill>
+              <a:srgbClr val="EFEFEF"/>
+            </a:solidFill>
+          </a:ln>
+          <a:effectLst>
+            <a:outerShdw blurRad="50800" dist="38100" dir="2700000" algn="tl" rotWithShape="0">
+              <a:schemeClr val="bg1">
+                <a:lumMod val="85000"/>
+                <a:alpha val="30000"/>
+              </a:schemeClr>
+            </a:outerShdw>
+          </a:effectLst>
+        </p:spPr>
+        <p:style>
+          <a:lnRef idx="2">
+            <a:schemeClr val="accent1">
+              <a:shade val="50000"/>
+            </a:schemeClr>
+          </a:lnRef>
+          <a:fillRef idx="1">
+            <a:schemeClr val="accent1"/>
+          </a:fillRef>
+          <a:effectRef idx="0">
+            <a:schemeClr val="accent1"/>
+          </a:effectRef>
+          <a:fontRef idx="minor">
+            <a:schemeClr val="lt1"/>
+          </a:fontRef>
+        </p:style>
+        <p:txBody>
+          <a:bodyPr rtlCol="0" anchor="ctr"/>
+          <a:lstStyle/>
+          <a:p>
+            <a:pPr marL="0" marR="0" lvl="0" indent="0" algn="ctr" defTabSz="914400" rtl="0" eaLnBrk="1" fontAlgn="auto" latinLnBrk="0" hangingPunct="1">
+              <a:lnSpc>
+                <a:spcPct val="100000"/>
+              </a:lnSpc>
+              <a:spcBef>
+                <a:spcPts val="0"/>
+              </a:spcBef>
+              <a:spcAft>
+                <a:spcPts val="0"/>
+              </a:spcAft>
+              <a:buClrTx/>
+              <a:buSzTx/>
+              <a:buFontTx/>
+              <a:buNone/>
+              <a:tabLst/>
+              <a:defRPr/>
+            </a:pPr>
+            <a:endParaRPr kumimoji="0" lang="en-US" sz="1800" b="0" i="0" u="none" strike="noStrike" kern="1200" cap="none" spc="0" normalizeH="0" baseline="0" noProof="0">
+              <a:ln>
+                <a:noFill/>
+              </a:ln>
+              <a:solidFill>
+                <a:prstClr val="white"/>
+              </a:solidFill>
+              <a:effectLst/>
+              <a:uLnTx/>
+              <a:uFillTx/>
+              <a:latin typeface="Calibri" panose="020F0502020204030204"/>
+              <a:ea typeface="+mn-ea"/>
+              <a:cs typeface="+mn-cs"/>
+            </a:endParaRPr>
+          </a:p>
+        </p:txBody>
+      </p:sp>
+      <p:sp>
+        <p:nvSpPr>
+          <p:cNvPr id="13" name="Content Placeholder 12">
+            <a:extLst>
+              <a:ext uri="{FF2B5EF4-FFF2-40B4-BE49-F238E27FC236}">
+                <a16:creationId xmlns:a16="http://schemas.microsoft.com/office/drawing/2014/main" id="{20F0E55A-8E5D-4ED1-9662-8BBA95D8BC86}"/>
+              </a:ext>
+            </a:extLst>
+          </p:cNvPr>
+          <p:cNvSpPr>
+            <a:spLocks noGrp="1"/>
+          </p:cNvSpPr>
+          <p:nvPr>
+            <p:ph idx="1"/>
+          </p:nvPr>
+        </p:nvSpPr>
+        <p:spPr>
+          <a:xfrm>
+            <a:off x="7938752" y="2020824"/>
+            <a:ext cx="3455097" cy="3959352"/>
+          </a:xfrm>
+        </p:spPr>
+        <p:txBody>
+          <a:bodyPr anchor="ctr">
+            <a:normAutofit/>
+          </a:bodyPr>
+          <a:lstStyle/>
+          <a:p>
+            <a:pPr marL="0" indent="0">
+              <a:buNone/>
+            </a:pPr>
+            <a:r>
+              <a:rPr lang="ko-KR" altLang="en-US" sz="1800" dirty="0"/>
+              <a:t>해당 레벨에 접속</a:t>
+            </a:r>
+            <a:endParaRPr lang="en-US" sz="1800" dirty="0"/>
+          </a:p>
+        </p:txBody>
+      </p:sp>
+    </p:spTree>
+    <p:extLst>
+      <p:ext uri="{BB962C8B-B14F-4D97-AF65-F5344CB8AC3E}">
+        <p14:creationId xmlns:p14="http://schemas.microsoft.com/office/powerpoint/2010/main" val="223171988"/>
+      </p:ext>
+    </p:extLst>
+  </p:cSld>
+  <p:clrMapOvr>
+    <a:masterClrMapping/>
+  </p:clrMapOvr>
+</p:sld>
+</file>
+
+<file path=ppt/slides/slide14.xml><?xml version="1.0" encoding="utf-8"?>
+<p:sld xmlns:a="http://schemas.openxmlformats.org/drawingml/2006/main" xmlns:r="http://schemas.openxmlformats.org/officeDocument/2006/relationships" xmlns:p="http://schemas.openxmlformats.org/presentationml/2006/main">
+  <p:cSld>
+    <p:spTree>
+      <p:nvGrpSpPr>
+        <p:cNvPr id="1" name=""/>
+        <p:cNvGrpSpPr/>
+        <p:nvPr/>
+      </p:nvGrpSpPr>
+      <p:grpSpPr>
+        <a:xfrm>
+          <a:off x="0" y="0"/>
+          <a:ext cx="0" cy="0"/>
+          <a:chOff x="0" y="0"/>
+          <a:chExt cx="0" cy="0"/>
+        </a:xfrm>
+      </p:grpSpPr>
+      <p:sp>
+        <p:nvSpPr>
+          <p:cNvPr id="2" name="제목 1">
+            <a:extLst>
+              <a:ext uri="{FF2B5EF4-FFF2-40B4-BE49-F238E27FC236}">
+                <a16:creationId xmlns:a16="http://schemas.microsoft.com/office/drawing/2014/main" id="{F413C8D4-2B21-4D99-8CB9-D878E9DD126E}"/>
+              </a:ext>
+            </a:extLst>
+          </p:cNvPr>
+          <p:cNvSpPr>
+            <a:spLocks noGrp="1"/>
+          </p:cNvSpPr>
+          <p:nvPr>
+            <p:ph type="title"/>
+          </p:nvPr>
+        </p:nvSpPr>
+        <p:spPr/>
+        <p:txBody>
+          <a:bodyPr/>
+          <a:lstStyle/>
+          <a:p>
+            <a:r>
+              <a:rPr lang="en-US" altLang="ko-KR" dirty="0"/>
+              <a:t>Level 02</a:t>
+            </a:r>
+            <a:endParaRPr lang="ko-KR" altLang="en-US" dirty="0"/>
+          </a:p>
+        </p:txBody>
+      </p:sp>
+      <p:pic>
+        <p:nvPicPr>
+          <p:cNvPr id="5" name="내용 개체 틀 4">
+            <a:extLst>
+              <a:ext uri="{FF2B5EF4-FFF2-40B4-BE49-F238E27FC236}">
+                <a16:creationId xmlns:a16="http://schemas.microsoft.com/office/drawing/2014/main" id="{CBE95CB3-5A1A-4AAA-AF55-747EB0D3FD87}"/>
+              </a:ext>
+            </a:extLst>
+          </p:cNvPr>
+          <p:cNvPicPr>
+            <a:picLocks noGrp="1" noChangeAspect="1"/>
+          </p:cNvPicPr>
+          <p:nvPr>
+            <p:ph idx="1"/>
+          </p:nvPr>
+        </p:nvPicPr>
+        <p:blipFill>
+          <a:blip r:embed="rId2">
+            <a:extLst>
+              <a:ext uri="{28A0092B-C50C-407E-A947-70E740481C1C}">
+                <a14:useLocalDpi xmlns:a14="http://schemas.microsoft.com/office/drawing/2010/main" val="0"/>
+              </a:ext>
+            </a:extLst>
+          </a:blip>
+          <a:stretch>
+            <a:fillRect/>
+          </a:stretch>
+        </p:blipFill>
+        <p:spPr>
+          <a:xfrm>
+            <a:off x="838200" y="1946246"/>
+            <a:ext cx="8741236" cy="637563"/>
+          </a:xfrm>
+        </p:spPr>
+      </p:pic>
+      <p:sp>
+        <p:nvSpPr>
+          <p:cNvPr id="7" name="TextBox 6">
+            <a:extLst>
+              <a:ext uri="{FF2B5EF4-FFF2-40B4-BE49-F238E27FC236}">
+                <a16:creationId xmlns:a16="http://schemas.microsoft.com/office/drawing/2014/main" id="{BC9A8BB4-39B4-430A-84EA-AD4C16D1DDEB}"/>
+              </a:ext>
+            </a:extLst>
+          </p:cNvPr>
+          <p:cNvSpPr txBox="1"/>
+          <p:nvPr/>
+        </p:nvSpPr>
+        <p:spPr>
+          <a:xfrm>
+            <a:off x="838200" y="2954956"/>
+            <a:ext cx="8741236" cy="646331"/>
+          </a:xfrm>
+          <a:prstGeom prst="rect">
+            <a:avLst/>
+          </a:prstGeom>
+          <a:noFill/>
+        </p:spPr>
+        <p:txBody>
+          <a:bodyPr wrap="square" rtlCol="0">
+            <a:spAutoFit/>
+          </a:bodyPr>
+          <a:lstStyle/>
+          <a:p>
+            <a:r>
+              <a:rPr lang="en-US" altLang="ko-KR" dirty="0"/>
+              <a:t>System</a:t>
+            </a:r>
+            <a:r>
+              <a:rPr lang="ko-KR" altLang="en-US" dirty="0"/>
+              <a:t>함수가 </a:t>
+            </a:r>
+            <a:r>
+              <a:rPr lang="en-US" altLang="ko-KR" dirty="0" err="1"/>
+              <a:t>ddd</a:t>
+            </a:r>
+            <a:r>
+              <a:rPr lang="en-US" altLang="ko-KR" dirty="0"/>
+              <a:t>,/bin/</a:t>
+            </a:r>
+            <a:r>
+              <a:rPr lang="en-US" altLang="ko-KR" dirty="0" err="1"/>
+              <a:t>bash,iscool</a:t>
+            </a:r>
+            <a:r>
+              <a:rPr lang="ko-KR" altLang="en-US" dirty="0"/>
+              <a:t>을 각각 실행하여</a:t>
+            </a:r>
+            <a:r>
+              <a:rPr lang="en-US" altLang="ko-KR" dirty="0"/>
+              <a:t>, bash</a:t>
+            </a:r>
+            <a:r>
+              <a:rPr lang="ko-KR" altLang="en-US" dirty="0"/>
+              <a:t>쉘을 실행하도록 </a:t>
+            </a:r>
+            <a:r>
+              <a:rPr lang="en-US" altLang="ko-KR" dirty="0"/>
+              <a:t>USER </a:t>
+            </a:r>
+            <a:r>
+              <a:rPr lang="ko-KR" altLang="en-US" dirty="0"/>
+              <a:t>환경변수를 설정</a:t>
+            </a:r>
+          </a:p>
+        </p:txBody>
+      </p:sp>
+    </p:spTree>
+    <p:extLst>
+      <p:ext uri="{BB962C8B-B14F-4D97-AF65-F5344CB8AC3E}">
+        <p14:creationId xmlns:p14="http://schemas.microsoft.com/office/powerpoint/2010/main" val="1183208634"/>
+      </p:ext>
+    </p:extLst>
+  </p:cSld>
+  <p:clrMapOvr>
+    <a:masterClrMapping/>
+  </p:clrMapOvr>
+</p:sld>
+</file>
+
+<file path=ppt/slides/slide15.xml><?xml version="1.0" encoding="utf-8"?>
+<p:sld xmlns:a="http://schemas.openxmlformats.org/drawingml/2006/main" xmlns:r="http://schemas.openxmlformats.org/officeDocument/2006/relationships" xmlns:p="http://schemas.openxmlformats.org/presentationml/2006/main">
+  <p:cSld>
+    <p:spTree>
+      <p:nvGrpSpPr>
+        <p:cNvPr id="1" name=""/>
+        <p:cNvGrpSpPr/>
+        <p:nvPr/>
+      </p:nvGrpSpPr>
+      <p:grpSpPr>
+        <a:xfrm>
+          <a:off x="0" y="0"/>
+          <a:ext cx="0" cy="0"/>
+          <a:chOff x="0" y="0"/>
+          <a:chExt cx="0" cy="0"/>
+        </a:xfrm>
+      </p:grpSpPr>
+      <p:sp>
+        <p:nvSpPr>
+          <p:cNvPr id="2" name="제목 1">
+            <a:extLst>
+              <a:ext uri="{FF2B5EF4-FFF2-40B4-BE49-F238E27FC236}">
+                <a16:creationId xmlns:a16="http://schemas.microsoft.com/office/drawing/2014/main" id="{D05FFD70-F217-46B4-9A90-EA20779D8241}"/>
+              </a:ext>
+            </a:extLst>
+          </p:cNvPr>
+          <p:cNvSpPr>
+            <a:spLocks noGrp="1"/>
+          </p:cNvSpPr>
+          <p:nvPr>
+            <p:ph type="title"/>
+          </p:nvPr>
+        </p:nvSpPr>
+        <p:spPr/>
+        <p:txBody>
+          <a:bodyPr/>
+          <a:lstStyle/>
+          <a:p>
+            <a:r>
+              <a:rPr lang="en-US" altLang="ko-KR" dirty="0"/>
+              <a:t>Level</a:t>
+            </a:r>
+            <a:r>
+              <a:rPr lang="ko-KR" altLang="en-US" dirty="0"/>
+              <a:t> </a:t>
+            </a:r>
+            <a:r>
+              <a:rPr lang="en-US" altLang="ko-KR" dirty="0"/>
+              <a:t>02</a:t>
+            </a:r>
+            <a:endParaRPr lang="ko-KR" altLang="en-US" dirty="0"/>
+          </a:p>
+        </p:txBody>
+      </p:sp>
+      <p:pic>
+        <p:nvPicPr>
+          <p:cNvPr id="5" name="내용 개체 틀 4" descr="텔레비전이(가) 표시된 사진&#10;&#10;자동 생성된 설명">
+            <a:extLst>
+              <a:ext uri="{FF2B5EF4-FFF2-40B4-BE49-F238E27FC236}">
+                <a16:creationId xmlns:a16="http://schemas.microsoft.com/office/drawing/2014/main" id="{070F71A5-31F3-4951-AE7F-64D5AEABF89A}"/>
+              </a:ext>
+            </a:extLst>
+          </p:cNvPr>
+          <p:cNvPicPr>
+            <a:picLocks noGrp="1" noChangeAspect="1"/>
+          </p:cNvPicPr>
+          <p:nvPr>
+            <p:ph idx="1"/>
+          </p:nvPr>
+        </p:nvPicPr>
+        <p:blipFill>
+          <a:blip r:embed="rId2">
+            <a:extLst>
+              <a:ext uri="{28A0092B-C50C-407E-A947-70E740481C1C}">
+                <a14:useLocalDpi xmlns:a14="http://schemas.microsoft.com/office/drawing/2010/main" val="0"/>
+              </a:ext>
+            </a:extLst>
+          </a:blip>
+          <a:stretch>
+            <a:fillRect/>
+          </a:stretch>
+        </p:blipFill>
+        <p:spPr>
+          <a:xfrm>
+            <a:off x="838200" y="2182203"/>
+            <a:ext cx="6878010" cy="943107"/>
+          </a:xfrm>
+        </p:spPr>
+      </p:pic>
+      <p:sp>
+        <p:nvSpPr>
+          <p:cNvPr id="6" name="TextBox 5">
+            <a:extLst>
+              <a:ext uri="{FF2B5EF4-FFF2-40B4-BE49-F238E27FC236}">
+                <a16:creationId xmlns:a16="http://schemas.microsoft.com/office/drawing/2014/main" id="{402957D7-4969-477A-BF30-2040AB60A856}"/>
+              </a:ext>
+            </a:extLst>
+          </p:cNvPr>
+          <p:cNvSpPr txBox="1"/>
+          <p:nvPr/>
+        </p:nvSpPr>
+        <p:spPr>
+          <a:xfrm>
+            <a:off x="838200" y="3729789"/>
+            <a:ext cx="6862011" cy="369332"/>
+          </a:xfrm>
+          <a:prstGeom prst="rect">
+            <a:avLst/>
+          </a:prstGeom>
+          <a:noFill/>
+        </p:spPr>
+        <p:txBody>
+          <a:bodyPr wrap="square" rtlCol="0">
+            <a:spAutoFit/>
+          </a:bodyPr>
+          <a:lstStyle/>
+          <a:p>
+            <a:r>
+              <a:rPr lang="ko-KR" altLang="en-US" dirty="0"/>
+              <a:t>그</a:t>
+            </a:r>
+            <a:r>
+              <a:rPr lang="en-US" altLang="ko-KR" dirty="0"/>
+              <a:t> </a:t>
+            </a:r>
+            <a:r>
+              <a:rPr lang="ko-KR" altLang="en-US" dirty="0"/>
+              <a:t>후 </a:t>
+            </a:r>
+            <a:r>
+              <a:rPr lang="en-US" altLang="ko-KR" dirty="0"/>
+              <a:t>flag02</a:t>
+            </a:r>
+            <a:r>
+              <a:rPr lang="ko-KR" altLang="en-US" dirty="0"/>
+              <a:t>를 실행하여 권한 획득 확인</a:t>
+            </a:r>
+          </a:p>
+        </p:txBody>
+      </p:sp>
+    </p:spTree>
+    <p:extLst>
+      <p:ext uri="{BB962C8B-B14F-4D97-AF65-F5344CB8AC3E}">
+        <p14:creationId xmlns:p14="http://schemas.microsoft.com/office/powerpoint/2010/main" val="2152462266"/>
+      </p:ext>
+    </p:extLst>
+  </p:cSld>
+  <p:clrMapOvr>
+    <a:masterClrMapping/>
+  </p:clrMapOvr>
+</p:sld>
+</file>
+
+<file path=ppt/slides/slide16.xml><?xml version="1.0" encoding="utf-8"?>
+<p:sld xmlns:a="http://schemas.openxmlformats.org/drawingml/2006/main" xmlns:r="http://schemas.openxmlformats.org/officeDocument/2006/relationships" xmlns:p="http://schemas.openxmlformats.org/presentationml/2006/main">
+  <p:cSld>
+    <p:spTree>
+      <p:nvGrpSpPr>
+        <p:cNvPr id="1" name=""/>
+        <p:cNvGrpSpPr/>
+        <p:nvPr/>
+      </p:nvGrpSpPr>
+      <p:grpSpPr>
+        <a:xfrm>
+          <a:off x="0" y="0"/>
+          <a:ext cx="0" cy="0"/>
+          <a:chOff x="0" y="0"/>
+          <a:chExt cx="0" cy="0"/>
+        </a:xfrm>
+      </p:grpSpPr>
+      <p:sp>
+        <p:nvSpPr>
+          <p:cNvPr id="2" name="제목 1">
+            <a:extLst>
+              <a:ext uri="{FF2B5EF4-FFF2-40B4-BE49-F238E27FC236}">
+                <a16:creationId xmlns:a16="http://schemas.microsoft.com/office/drawing/2014/main" id="{AD9EB73F-F0E3-4DC5-834E-9093652520EA}"/>
+              </a:ext>
+            </a:extLst>
+          </p:cNvPr>
+          <p:cNvSpPr>
+            <a:spLocks noGrp="1"/>
+          </p:cNvSpPr>
+          <p:nvPr>
+            <p:ph type="title"/>
+          </p:nvPr>
+        </p:nvSpPr>
+        <p:spPr/>
+        <p:txBody>
+          <a:bodyPr/>
+          <a:lstStyle/>
+          <a:p>
+            <a:r>
+              <a:rPr lang="en-US" altLang="ko-KR" dirty="0"/>
+              <a:t>Level</a:t>
+            </a:r>
+            <a:r>
+              <a:rPr lang="ko-KR" altLang="en-US" dirty="0"/>
+              <a:t> </a:t>
+            </a:r>
+            <a:r>
+              <a:rPr lang="en-US" altLang="ko-KR" dirty="0"/>
+              <a:t>03</a:t>
+            </a:r>
+            <a:endParaRPr lang="ko-KR" altLang="en-US" dirty="0"/>
+          </a:p>
+        </p:txBody>
+      </p:sp>
+      <p:sp>
+        <p:nvSpPr>
+          <p:cNvPr id="3" name="내용 개체 틀 2">
+            <a:extLst>
+              <a:ext uri="{FF2B5EF4-FFF2-40B4-BE49-F238E27FC236}">
+                <a16:creationId xmlns:a16="http://schemas.microsoft.com/office/drawing/2014/main" id="{53ACBB67-0568-4A02-B094-17E2D6ABB792}"/>
+              </a:ext>
+            </a:extLst>
+          </p:cNvPr>
+          <p:cNvSpPr>
+            <a:spLocks noGrp="1"/>
+          </p:cNvSpPr>
+          <p:nvPr>
+            <p:ph idx="1"/>
+          </p:nvPr>
+        </p:nvSpPr>
+        <p:spPr/>
+        <p:txBody>
+          <a:bodyPr/>
+          <a:lstStyle/>
+          <a:p>
+            <a:pPr marL="0" indent="0">
+              <a:buNone/>
+            </a:pPr>
+            <a:r>
+              <a:rPr lang="ko-KR" altLang="en-US"/>
+              <a:t>재확인 후 관련 내용 서술</a:t>
+            </a:r>
+          </a:p>
+        </p:txBody>
+      </p:sp>
+    </p:spTree>
+    <p:extLst>
+      <p:ext uri="{BB962C8B-B14F-4D97-AF65-F5344CB8AC3E}">
+        <p14:creationId xmlns:p14="http://schemas.microsoft.com/office/powerpoint/2010/main" val="3300952514"/>
       </p:ext>
     </p:extLst>
   </p:cSld>

--- a/Nebula/Nebula Level00~Level03.pptx
+++ b/Nebula/Nebula Level00~Level03.pptx
@@ -21,6 +21,12 @@
     <p:sldId id="269" r:id="rId15"/>
     <p:sldId id="270" r:id="rId16"/>
     <p:sldId id="271" r:id="rId17"/>
+    <p:sldId id="272" r:id="rId18"/>
+    <p:sldId id="273" r:id="rId19"/>
+    <p:sldId id="274" r:id="rId20"/>
+    <p:sldId id="275" r:id="rId21"/>
+    <p:sldId id="276" r:id="rId22"/>
+    <p:sldId id="277" r:id="rId23"/>
   </p:sldIdLst>
   <p:sldSz cx="12192000" cy="6858000"/>
   <p:notesSz cx="6858000" cy="9144000"/>
@@ -286,7 +292,7 @@
           <a:p>
             <a:fld id="{A0603335-969B-4A58-B613-551E0F7626BA}" type="datetimeFigureOut">
               <a:rPr lang="ko-KR" altLang="en-US" smtClean="0"/>
-              <a:t>2019-12-17</a:t>
+              <a:t>2019-12-18</a:t>
             </a:fld>
             <a:endParaRPr lang="ko-KR" altLang="en-US"/>
           </a:p>
@@ -484,7 +490,7 @@
           <a:p>
             <a:fld id="{A0603335-969B-4A58-B613-551E0F7626BA}" type="datetimeFigureOut">
               <a:rPr lang="ko-KR" altLang="en-US" smtClean="0"/>
-              <a:t>2019-12-17</a:t>
+              <a:t>2019-12-18</a:t>
             </a:fld>
             <a:endParaRPr lang="ko-KR" altLang="en-US"/>
           </a:p>
@@ -692,7 +698,7 @@
           <a:p>
             <a:fld id="{A0603335-969B-4A58-B613-551E0F7626BA}" type="datetimeFigureOut">
               <a:rPr lang="ko-KR" altLang="en-US" smtClean="0"/>
-              <a:t>2019-12-17</a:t>
+              <a:t>2019-12-18</a:t>
             </a:fld>
             <a:endParaRPr lang="ko-KR" altLang="en-US"/>
           </a:p>
@@ -890,7 +896,7 @@
           <a:p>
             <a:fld id="{A0603335-969B-4A58-B613-551E0F7626BA}" type="datetimeFigureOut">
               <a:rPr lang="ko-KR" altLang="en-US" smtClean="0"/>
-              <a:t>2019-12-17</a:t>
+              <a:t>2019-12-18</a:t>
             </a:fld>
             <a:endParaRPr lang="ko-KR" altLang="en-US"/>
           </a:p>
@@ -1165,7 +1171,7 @@
           <a:p>
             <a:fld id="{A0603335-969B-4A58-B613-551E0F7626BA}" type="datetimeFigureOut">
               <a:rPr lang="ko-KR" altLang="en-US" smtClean="0"/>
-              <a:t>2019-12-17</a:t>
+              <a:t>2019-12-18</a:t>
             </a:fld>
             <a:endParaRPr lang="ko-KR" altLang="en-US"/>
           </a:p>
@@ -1430,7 +1436,7 @@
           <a:p>
             <a:fld id="{A0603335-969B-4A58-B613-551E0F7626BA}" type="datetimeFigureOut">
               <a:rPr lang="ko-KR" altLang="en-US" smtClean="0"/>
-              <a:t>2019-12-17</a:t>
+              <a:t>2019-12-18</a:t>
             </a:fld>
             <a:endParaRPr lang="ko-KR" altLang="en-US"/>
           </a:p>
@@ -1842,7 +1848,7 @@
           <a:p>
             <a:fld id="{A0603335-969B-4A58-B613-551E0F7626BA}" type="datetimeFigureOut">
               <a:rPr lang="ko-KR" altLang="en-US" smtClean="0"/>
-              <a:t>2019-12-17</a:t>
+              <a:t>2019-12-18</a:t>
             </a:fld>
             <a:endParaRPr lang="ko-KR" altLang="en-US"/>
           </a:p>
@@ -1983,7 +1989,7 @@
           <a:p>
             <a:fld id="{A0603335-969B-4A58-B613-551E0F7626BA}" type="datetimeFigureOut">
               <a:rPr lang="ko-KR" altLang="en-US" smtClean="0"/>
-              <a:t>2019-12-17</a:t>
+              <a:t>2019-12-18</a:t>
             </a:fld>
             <a:endParaRPr lang="ko-KR" altLang="en-US"/>
           </a:p>
@@ -2096,7 +2102,7 @@
           <a:p>
             <a:fld id="{A0603335-969B-4A58-B613-551E0F7626BA}" type="datetimeFigureOut">
               <a:rPr lang="ko-KR" altLang="en-US" smtClean="0"/>
-              <a:t>2019-12-17</a:t>
+              <a:t>2019-12-18</a:t>
             </a:fld>
             <a:endParaRPr lang="ko-KR" altLang="en-US"/>
           </a:p>
@@ -2407,7 +2413,7 @@
           <a:p>
             <a:fld id="{A0603335-969B-4A58-B613-551E0F7626BA}" type="datetimeFigureOut">
               <a:rPr lang="ko-KR" altLang="en-US" smtClean="0"/>
-              <a:t>2019-12-17</a:t>
+              <a:t>2019-12-18</a:t>
             </a:fld>
             <a:endParaRPr lang="ko-KR" altLang="en-US"/>
           </a:p>
@@ -2695,7 +2701,7 @@
           <a:p>
             <a:fld id="{A0603335-969B-4A58-B613-551E0F7626BA}" type="datetimeFigureOut">
               <a:rPr lang="ko-KR" altLang="en-US" smtClean="0"/>
-              <a:t>2019-12-17</a:t>
+              <a:t>2019-12-18</a:t>
             </a:fld>
             <a:endParaRPr lang="ko-KR" altLang="en-US"/>
           </a:p>
@@ -2936,7 +2942,7 @@
           <a:p>
             <a:fld id="{A0603335-969B-4A58-B613-551E0F7626BA}" type="datetimeFigureOut">
               <a:rPr lang="ko-KR" altLang="en-US" smtClean="0"/>
-              <a:t>2019-12-17</a:t>
+              <a:t>2019-12-18</a:t>
             </a:fld>
             <a:endParaRPr lang="ko-KR" altLang="en-US"/>
           </a:p>
@@ -4527,6 +4533,14 @@
 <file path=ppt/slides/slide16.xml><?xml version="1.0" encoding="utf-8"?>
 <p:sld xmlns:a="http://schemas.openxmlformats.org/drawingml/2006/main" xmlns:r="http://schemas.openxmlformats.org/officeDocument/2006/relationships" xmlns:p="http://schemas.openxmlformats.org/presentationml/2006/main">
   <p:cSld>
+    <p:bg>
+      <p:bgPr>
+        <a:solidFill>
+          <a:schemeClr val="bg1"/>
+        </a:solidFill>
+        <a:effectLst/>
+      </p:bgPr>
+    </p:bg>
     <p:spTree>
       <p:nvGrpSpPr>
         <p:cNvPr id="1" name=""/>
@@ -4541,6 +4555,66 @@
           <a:chExt cx="0" cy="0"/>
         </a:xfrm>
       </p:grpSpPr>
+      <p:sp useBgFill="1">
+        <p:nvSpPr>
+          <p:cNvPr id="16" name="Rectangle 15">
+            <a:extLst>
+              <a:ext uri="{FF2B5EF4-FFF2-40B4-BE49-F238E27FC236}">
+                <a16:creationId xmlns:a16="http://schemas.microsoft.com/office/drawing/2014/main" id="{E45CA849-654C-4173-AD99-B3A2528275F5}"/>
+              </a:ext>
+              <a:ext uri="{C183D7F6-B498-43B3-948B-1728B52AA6E4}">
+                <adec:decorative xmlns:adec="http://schemas.microsoft.com/office/drawing/2017/decorative" val="1"/>
+              </a:ext>
+            </a:extLst>
+          </p:cNvPr>
+          <p:cNvSpPr>
+            <a:spLocks noGrp="1" noRot="1" noChangeAspect="1" noMove="1" noResize="1" noEditPoints="1" noAdjustHandles="1" noChangeArrowheads="1" noChangeShapeType="1" noTextEdit="1"/>
+          </p:cNvSpPr>
+          <p:nvPr>
+            <p:extLst>
+              <p:ext uri="{386F3935-93C4-4BCD-93E2-E3B085C9AB24}">
+                <p16:designElem xmlns:p16="http://schemas.microsoft.com/office/powerpoint/2015/main" val="1"/>
+              </p:ext>
+            </p:extLst>
+          </p:nvPr>
+        </p:nvSpPr>
+        <p:spPr>
+          <a:xfrm>
+            <a:off x="0" y="0"/>
+            <a:ext cx="12192000" cy="6858000"/>
+          </a:xfrm>
+          <a:prstGeom prst="rect">
+            <a:avLst/>
+          </a:prstGeom>
+          <a:ln>
+            <a:noFill/>
+          </a:ln>
+        </p:spPr>
+        <p:style>
+          <a:lnRef idx="2">
+            <a:schemeClr val="accent1">
+              <a:shade val="50000"/>
+            </a:schemeClr>
+          </a:lnRef>
+          <a:fillRef idx="1">
+            <a:schemeClr val="accent1"/>
+          </a:fillRef>
+          <a:effectRef idx="0">
+            <a:schemeClr val="accent1"/>
+          </a:effectRef>
+          <a:fontRef idx="minor">
+            <a:schemeClr val="lt1"/>
+          </a:fontRef>
+        </p:style>
+        <p:txBody>
+          <a:bodyPr rtlCol="0" anchor="ctr"/>
+          <a:lstStyle/>
+          <a:p>
+            <a:pPr algn="ctr"/>
+            <a:endParaRPr lang="en-US"/>
+          </a:p>
+        </p:txBody>
+      </p:sp>
       <p:sp>
         <p:nvSpPr>
           <p:cNvPr id="2" name="제목 1">
@@ -4557,33 +4631,266 @@
             <p:ph type="title"/>
           </p:nvPr>
         </p:nvSpPr>
-        <p:spPr/>
-        <p:txBody>
-          <a:bodyPr/>
-          <a:lstStyle/>
-          <a:p>
-            <a:r>
-              <a:rPr lang="en-US" altLang="ko-KR" dirty="0"/>
+        <p:spPr>
+          <a:xfrm>
+            <a:off x="429768" y="411480"/>
+            <a:ext cx="11201400" cy="1106424"/>
+          </a:xfrm>
+        </p:spPr>
+        <p:txBody>
+          <a:bodyPr>
+            <a:normAutofit/>
+          </a:bodyPr>
+          <a:lstStyle/>
+          <a:p>
+            <a:r>
+              <a:rPr lang="en-US" altLang="ko-KR" sz="3600"/>
               <a:t>Level</a:t>
             </a:r>
             <a:r>
-              <a:rPr lang="ko-KR" altLang="en-US" dirty="0"/>
+              <a:rPr lang="ko-KR" altLang="en-US" sz="3600"/>
               <a:t> </a:t>
             </a:r>
             <a:r>
-              <a:rPr lang="en-US" altLang="ko-KR" dirty="0"/>
+              <a:rPr lang="en-US" altLang="ko-KR" sz="3600"/>
               <a:t>03</a:t>
             </a:r>
-            <a:endParaRPr lang="ko-KR" altLang="en-US" dirty="0"/>
-          </a:p>
-        </p:txBody>
-      </p:sp>
-      <p:sp>
-        <p:nvSpPr>
-          <p:cNvPr id="3" name="내용 개체 틀 2">
-            <a:extLst>
-              <a:ext uri="{FF2B5EF4-FFF2-40B4-BE49-F238E27FC236}">
-                <a16:creationId xmlns:a16="http://schemas.microsoft.com/office/drawing/2014/main" id="{53ACBB67-0568-4A02-B094-17E2D6ABB792}"/>
+            <a:endParaRPr lang="ko-KR" altLang="en-US" sz="3600"/>
+          </a:p>
+        </p:txBody>
+      </p:sp>
+      <p:sp>
+        <p:nvSpPr>
+          <p:cNvPr id="18" name="Rectangle 17">
+            <a:extLst>
+              <a:ext uri="{FF2B5EF4-FFF2-40B4-BE49-F238E27FC236}">
+                <a16:creationId xmlns:a16="http://schemas.microsoft.com/office/drawing/2014/main" id="{3E23A947-2D45-4208-AE2B-64948C87A3EB}"/>
+              </a:ext>
+              <a:ext uri="{C183D7F6-B498-43B3-948B-1728B52AA6E4}">
+                <adec:decorative xmlns:adec="http://schemas.microsoft.com/office/drawing/2017/decorative" val="1"/>
+              </a:ext>
+            </a:extLst>
+          </p:cNvPr>
+          <p:cNvSpPr>
+            <a:spLocks noGrp="1" noRot="1" noChangeAspect="1" noMove="1" noResize="1" noEditPoints="1" noAdjustHandles="1" noChangeArrowheads="1" noChangeShapeType="1" noTextEdit="1"/>
+          </p:cNvSpPr>
+          <p:nvPr>
+            <p:extLst>
+              <p:ext uri="{386F3935-93C4-4BCD-93E2-E3B085C9AB24}">
+                <p16:designElem xmlns:p16="http://schemas.microsoft.com/office/powerpoint/2015/main" val="1"/>
+              </p:ext>
+            </p:extLst>
+          </p:nvPr>
+        </p:nvSpPr>
+        <p:spPr>
+          <a:xfrm>
+            <a:off x="0" y="587931"/>
+            <a:ext cx="128016" cy="704088"/>
+          </a:xfrm>
+          <a:prstGeom prst="rect">
+            <a:avLst/>
+          </a:prstGeom>
+          <a:solidFill>
+            <a:schemeClr val="accent2"/>
+          </a:solidFill>
+          <a:ln>
+            <a:noFill/>
+          </a:ln>
+        </p:spPr>
+        <p:style>
+          <a:lnRef idx="2">
+            <a:schemeClr val="accent1">
+              <a:shade val="50000"/>
+            </a:schemeClr>
+          </a:lnRef>
+          <a:fillRef idx="1">
+            <a:schemeClr val="accent1"/>
+          </a:fillRef>
+          <a:effectRef idx="0">
+            <a:schemeClr val="accent1"/>
+          </a:effectRef>
+          <a:fontRef idx="minor">
+            <a:schemeClr val="lt1"/>
+          </a:fontRef>
+        </p:style>
+        <p:txBody>
+          <a:bodyPr rtlCol="0" anchor="ctr"/>
+          <a:lstStyle/>
+          <a:p>
+            <a:pPr marL="0" marR="0" lvl="0" indent="0" algn="ctr" defTabSz="914400" rtl="0" eaLnBrk="1" fontAlgn="auto" latinLnBrk="0" hangingPunct="1">
+              <a:lnSpc>
+                <a:spcPct val="100000"/>
+              </a:lnSpc>
+              <a:spcBef>
+                <a:spcPts val="0"/>
+              </a:spcBef>
+              <a:spcAft>
+                <a:spcPts val="0"/>
+              </a:spcAft>
+              <a:buClrTx/>
+              <a:buSzTx/>
+              <a:buFontTx/>
+              <a:buNone/>
+              <a:tabLst/>
+              <a:defRPr/>
+            </a:pPr>
+            <a:endParaRPr kumimoji="0" lang="en-US" sz="1800" b="0" i="0" u="none" strike="noStrike" kern="1200" cap="none" spc="0" normalizeH="0" baseline="0" noProof="0">
+              <a:ln>
+                <a:noFill/>
+              </a:ln>
+              <a:solidFill>
+                <a:prstClr val="white"/>
+              </a:solidFill>
+              <a:effectLst/>
+              <a:uLnTx/>
+              <a:uFillTx/>
+              <a:latin typeface="Calibri" panose="020F0502020204030204"/>
+              <a:ea typeface="+mn-ea"/>
+              <a:cs typeface="+mn-cs"/>
+            </a:endParaRPr>
+          </a:p>
+        </p:txBody>
+      </p:sp>
+      <p:pic>
+        <p:nvPicPr>
+          <p:cNvPr id="9" name="내용 개체 틀 8">
+            <a:extLst>
+              <a:ext uri="{FF2B5EF4-FFF2-40B4-BE49-F238E27FC236}">
+                <a16:creationId xmlns:a16="http://schemas.microsoft.com/office/drawing/2014/main" id="{D821F0F9-89D3-4767-B30C-6209E1BDB954}"/>
+              </a:ext>
+            </a:extLst>
+          </p:cNvPr>
+          <p:cNvPicPr>
+            <a:picLocks noChangeAspect="1"/>
+          </p:cNvPicPr>
+          <p:nvPr/>
+        </p:nvPicPr>
+        <p:blipFill rotWithShape="1">
+          <a:blip r:embed="rId2">
+            <a:extLst>
+              <a:ext uri="{28A0092B-C50C-407E-A947-70E740481C1C}">
+                <a14:useLocalDpi xmlns:a14="http://schemas.microsoft.com/office/drawing/2010/main" val="0"/>
+              </a:ext>
+            </a:extLst>
+          </a:blip>
+          <a:srcRect r="17683" b="1"/>
+          <a:stretch/>
+        </p:blipFill>
+        <p:spPr>
+          <a:xfrm>
+            <a:off x="429768" y="1721922"/>
+            <a:ext cx="6704891" cy="4520559"/>
+          </a:xfrm>
+          <a:prstGeom prst="rect">
+            <a:avLst/>
+          </a:prstGeom>
+        </p:spPr>
+      </p:pic>
+      <p:sp useBgFill="1">
+        <p:nvSpPr>
+          <p:cNvPr id="20" name="Rectangle 19">
+            <a:extLst>
+              <a:ext uri="{FF2B5EF4-FFF2-40B4-BE49-F238E27FC236}">
+                <a16:creationId xmlns:a16="http://schemas.microsoft.com/office/drawing/2014/main" id="{E5BBB0F9-6A59-4D02-A9C7-A2D6516684CE}"/>
+              </a:ext>
+              <a:ext uri="{C183D7F6-B498-43B3-948B-1728B52AA6E4}">
+                <adec:decorative xmlns:adec="http://schemas.microsoft.com/office/drawing/2017/decorative" val="1"/>
+              </a:ext>
+            </a:extLst>
+          </p:cNvPr>
+          <p:cNvSpPr>
+            <a:spLocks noGrp="1" noRot="1" noChangeAspect="1" noMove="1" noResize="1" noEditPoints="1" noAdjustHandles="1" noChangeArrowheads="1" noChangeShapeType="1" noTextEdit="1"/>
+          </p:cNvSpPr>
+          <p:nvPr>
+            <p:extLst>
+              <p:ext uri="{386F3935-93C4-4BCD-93E2-E3B085C9AB24}">
+                <p16:designElem xmlns:p16="http://schemas.microsoft.com/office/powerpoint/2015/main" val="1"/>
+              </p:ext>
+            </p:extLst>
+          </p:nvPr>
+        </p:nvSpPr>
+        <p:spPr>
+          <a:xfrm>
+            <a:off x="7543801" y="1721922"/>
+            <a:ext cx="4218432" cy="4520560"/>
+          </a:xfrm>
+          <a:prstGeom prst="rect">
+            <a:avLst/>
+          </a:prstGeom>
+          <a:ln w="9525">
+            <a:solidFill>
+              <a:srgbClr val="EFEFEF"/>
+            </a:solidFill>
+          </a:ln>
+          <a:effectLst>
+            <a:outerShdw blurRad="50800" dist="38100" dir="2700000" algn="tl" rotWithShape="0">
+              <a:schemeClr val="bg1">
+                <a:lumMod val="85000"/>
+                <a:alpha val="30000"/>
+              </a:schemeClr>
+            </a:outerShdw>
+          </a:effectLst>
+        </p:spPr>
+        <p:style>
+          <a:lnRef idx="2">
+            <a:schemeClr val="accent1">
+              <a:shade val="50000"/>
+            </a:schemeClr>
+          </a:lnRef>
+          <a:fillRef idx="1">
+            <a:schemeClr val="accent1"/>
+          </a:fillRef>
+          <a:effectRef idx="0">
+            <a:schemeClr val="accent1"/>
+          </a:effectRef>
+          <a:fontRef idx="minor">
+            <a:schemeClr val="lt1"/>
+          </a:fontRef>
+        </p:style>
+        <p:txBody>
+          <a:bodyPr rtlCol="0" anchor="ctr"/>
+          <a:lstStyle/>
+          <a:p>
+            <a:pPr marL="0" marR="0" lvl="0" indent="0" algn="ctr" defTabSz="914400" rtl="0" eaLnBrk="1" fontAlgn="auto" latinLnBrk="0" hangingPunct="1">
+              <a:lnSpc>
+                <a:spcPct val="100000"/>
+              </a:lnSpc>
+              <a:spcBef>
+                <a:spcPts val="0"/>
+              </a:spcBef>
+              <a:spcAft>
+                <a:spcPts val="0"/>
+              </a:spcAft>
+              <a:buClrTx/>
+              <a:buSzTx/>
+              <a:buFontTx/>
+              <a:buNone/>
+              <a:tabLst/>
+              <a:defRPr/>
+            </a:pPr>
+            <a:endParaRPr kumimoji="0" lang="en-US" sz="1800" b="0" i="0" u="none" strike="noStrike" kern="1200" cap="none" spc="0" normalizeH="0" baseline="0" noProof="0">
+              <a:ln>
+                <a:noFill/>
+              </a:ln>
+              <a:solidFill>
+                <a:prstClr val="white"/>
+              </a:solidFill>
+              <a:effectLst/>
+              <a:uLnTx/>
+              <a:uFillTx/>
+              <a:latin typeface="Calibri" panose="020F0502020204030204"/>
+              <a:ea typeface="+mn-ea"/>
+              <a:cs typeface="+mn-cs"/>
+            </a:endParaRPr>
+          </a:p>
+        </p:txBody>
+      </p:sp>
+      <p:sp>
+        <p:nvSpPr>
+          <p:cNvPr id="13" name="Content Placeholder 12">
+            <a:extLst>
+              <a:ext uri="{FF2B5EF4-FFF2-40B4-BE49-F238E27FC236}">
+                <a16:creationId xmlns:a16="http://schemas.microsoft.com/office/drawing/2014/main" id="{3306573D-DDA3-4142-8B54-93B3275839E9}"/>
               </a:ext>
             </a:extLst>
           </p:cNvPr>
@@ -4594,18 +4901,26 @@
             <p:ph idx="1"/>
           </p:nvPr>
         </p:nvSpPr>
-        <p:spPr/>
-        <p:txBody>
-          <a:bodyPr/>
+        <p:spPr>
+          <a:xfrm>
+            <a:off x="7938752" y="2020824"/>
+            <a:ext cx="3455097" cy="3959352"/>
+          </a:xfrm>
+        </p:spPr>
+        <p:txBody>
+          <a:bodyPr anchor="ctr">
+            <a:normAutofit/>
+          </a:bodyPr>
           <a:lstStyle/>
           <a:p>
             <a:pPr marL="0" indent="0">
               <a:buNone/>
             </a:pPr>
             <a:r>
-              <a:rPr lang="ko-KR" altLang="en-US"/>
-              <a:t>재확인 후 관련 내용 서술</a:t>
-            </a:r>
+              <a:rPr lang="ko-KR" altLang="en-US" sz="1800" dirty="0"/>
+              <a:t>해당 문제에 접속</a:t>
+            </a:r>
+            <a:endParaRPr lang="en-US" sz="1800" dirty="0"/>
           </a:p>
         </p:txBody>
       </p:sp>
@@ -4613,6 +4928,472 @@
     <p:extLst>
       <p:ext uri="{BB962C8B-B14F-4D97-AF65-F5344CB8AC3E}">
         <p14:creationId xmlns:p14="http://schemas.microsoft.com/office/powerpoint/2010/main" val="3300952514"/>
+      </p:ext>
+    </p:extLst>
+  </p:cSld>
+  <p:clrMapOvr>
+    <a:masterClrMapping/>
+  </p:clrMapOvr>
+</p:sld>
+</file>
+
+<file path=ppt/slides/slide17.xml><?xml version="1.0" encoding="utf-8"?>
+<p:sld xmlns:a="http://schemas.openxmlformats.org/drawingml/2006/main" xmlns:r="http://schemas.openxmlformats.org/officeDocument/2006/relationships" xmlns:p="http://schemas.openxmlformats.org/presentationml/2006/main">
+  <p:cSld>
+    <p:spTree>
+      <p:nvGrpSpPr>
+        <p:cNvPr id="1" name=""/>
+        <p:cNvGrpSpPr/>
+        <p:nvPr/>
+      </p:nvGrpSpPr>
+      <p:grpSpPr>
+        <a:xfrm>
+          <a:off x="0" y="0"/>
+          <a:ext cx="0" cy="0"/>
+          <a:chOff x="0" y="0"/>
+          <a:chExt cx="0" cy="0"/>
+        </a:xfrm>
+      </p:grpSpPr>
+      <p:sp>
+        <p:nvSpPr>
+          <p:cNvPr id="2" name="제목 1">
+            <a:extLst>
+              <a:ext uri="{FF2B5EF4-FFF2-40B4-BE49-F238E27FC236}">
+                <a16:creationId xmlns:a16="http://schemas.microsoft.com/office/drawing/2014/main" id="{9826EFC8-11D3-45D1-9D76-58FF9D894129}"/>
+              </a:ext>
+            </a:extLst>
+          </p:cNvPr>
+          <p:cNvSpPr>
+            <a:spLocks noGrp="1"/>
+          </p:cNvSpPr>
+          <p:nvPr>
+            <p:ph type="title"/>
+          </p:nvPr>
+        </p:nvSpPr>
+        <p:spPr/>
+        <p:txBody>
+          <a:bodyPr/>
+          <a:lstStyle/>
+          <a:p>
+            <a:r>
+              <a:rPr lang="en-US" altLang="ko-KR" dirty="0"/>
+              <a:t>Level 03</a:t>
+            </a:r>
+            <a:endParaRPr lang="ko-KR" altLang="en-US" dirty="0"/>
+          </a:p>
+        </p:txBody>
+      </p:sp>
+      <p:pic>
+        <p:nvPicPr>
+          <p:cNvPr id="5" name="내용 개체 틀 4">
+            <a:extLst>
+              <a:ext uri="{FF2B5EF4-FFF2-40B4-BE49-F238E27FC236}">
+                <a16:creationId xmlns:a16="http://schemas.microsoft.com/office/drawing/2014/main" id="{6956AB1A-BD39-46EC-82BB-3138F2F840F7}"/>
+              </a:ext>
+            </a:extLst>
+          </p:cNvPr>
+          <p:cNvPicPr>
+            <a:picLocks noGrp="1" noChangeAspect="1"/>
+          </p:cNvPicPr>
+          <p:nvPr>
+            <p:ph idx="1"/>
+          </p:nvPr>
+        </p:nvPicPr>
+        <p:blipFill>
+          <a:blip r:embed="rId2">
+            <a:extLst>
+              <a:ext uri="{28A0092B-C50C-407E-A947-70E740481C1C}">
+                <a14:useLocalDpi xmlns:a14="http://schemas.microsoft.com/office/drawing/2010/main" val="0"/>
+              </a:ext>
+            </a:extLst>
+          </a:blip>
+          <a:stretch>
+            <a:fillRect/>
+          </a:stretch>
+        </p:blipFill>
+        <p:spPr>
+          <a:xfrm>
+            <a:off x="932489" y="1901489"/>
+            <a:ext cx="6887536" cy="323895"/>
+          </a:xfrm>
+        </p:spPr>
+      </p:pic>
+      <p:sp>
+        <p:nvSpPr>
+          <p:cNvPr id="6" name="TextBox 5">
+            <a:extLst>
+              <a:ext uri="{FF2B5EF4-FFF2-40B4-BE49-F238E27FC236}">
+                <a16:creationId xmlns:a16="http://schemas.microsoft.com/office/drawing/2014/main" id="{08F6CA4D-10D1-48B8-878F-258D27A5B856}"/>
+              </a:ext>
+            </a:extLst>
+          </p:cNvPr>
+          <p:cNvSpPr txBox="1"/>
+          <p:nvPr/>
+        </p:nvSpPr>
+        <p:spPr>
+          <a:xfrm>
+            <a:off x="914400" y="2948473"/>
+            <a:ext cx="6932645" cy="369332"/>
+          </a:xfrm>
+          <a:prstGeom prst="rect">
+            <a:avLst/>
+          </a:prstGeom>
+          <a:noFill/>
+        </p:spPr>
+        <p:txBody>
+          <a:bodyPr wrap="square" rtlCol="0">
+            <a:spAutoFit/>
+          </a:bodyPr>
+          <a:lstStyle/>
+          <a:p>
+            <a:r>
+              <a:rPr lang="en-US" altLang="ko-KR" dirty="0"/>
+              <a:t>/home/flag03</a:t>
+            </a:r>
+            <a:r>
+              <a:rPr lang="ko-KR" altLang="en-US" dirty="0"/>
+              <a:t>으로 이동하면 </a:t>
+            </a:r>
+            <a:r>
+              <a:rPr lang="en-US" altLang="ko-KR" dirty="0" err="1"/>
+              <a:t>writable.d</a:t>
+            </a:r>
+            <a:r>
+              <a:rPr lang="ko-KR" altLang="en-US" dirty="0"/>
+              <a:t>와 </a:t>
+            </a:r>
+            <a:r>
+              <a:rPr lang="en-US" altLang="ko-KR" dirty="0"/>
+              <a:t>writable.sh</a:t>
+            </a:r>
+            <a:r>
+              <a:rPr lang="ko-KR" altLang="en-US" dirty="0"/>
+              <a:t>가 있다</a:t>
+            </a:r>
+            <a:r>
+              <a:rPr lang="en-US" altLang="ko-KR" dirty="0"/>
+              <a:t>.</a:t>
+            </a:r>
+            <a:endParaRPr lang="ko-KR" altLang="en-US" dirty="0"/>
+          </a:p>
+        </p:txBody>
+      </p:sp>
+    </p:spTree>
+    <p:extLst>
+      <p:ext uri="{BB962C8B-B14F-4D97-AF65-F5344CB8AC3E}">
+        <p14:creationId xmlns:p14="http://schemas.microsoft.com/office/powerpoint/2010/main" val="904410210"/>
+      </p:ext>
+    </p:extLst>
+  </p:cSld>
+  <p:clrMapOvr>
+    <a:masterClrMapping/>
+  </p:clrMapOvr>
+</p:sld>
+</file>
+
+<file path=ppt/slides/slide18.xml><?xml version="1.0" encoding="utf-8"?>
+<p:sld xmlns:a="http://schemas.openxmlformats.org/drawingml/2006/main" xmlns:r="http://schemas.openxmlformats.org/officeDocument/2006/relationships" xmlns:p="http://schemas.openxmlformats.org/presentationml/2006/main">
+  <p:cSld>
+    <p:spTree>
+      <p:nvGrpSpPr>
+        <p:cNvPr id="1" name=""/>
+        <p:cNvGrpSpPr/>
+        <p:nvPr/>
+      </p:nvGrpSpPr>
+      <p:grpSpPr>
+        <a:xfrm>
+          <a:off x="0" y="0"/>
+          <a:ext cx="0" cy="0"/>
+          <a:chOff x="0" y="0"/>
+          <a:chExt cx="0" cy="0"/>
+        </a:xfrm>
+      </p:grpSpPr>
+      <p:sp>
+        <p:nvSpPr>
+          <p:cNvPr id="2" name="제목 1">
+            <a:extLst>
+              <a:ext uri="{FF2B5EF4-FFF2-40B4-BE49-F238E27FC236}">
+                <a16:creationId xmlns:a16="http://schemas.microsoft.com/office/drawing/2014/main" id="{9826EFC8-11D3-45D1-9D76-58FF9D894129}"/>
+              </a:ext>
+            </a:extLst>
+          </p:cNvPr>
+          <p:cNvSpPr>
+            <a:spLocks noGrp="1"/>
+          </p:cNvSpPr>
+          <p:nvPr>
+            <p:ph type="title"/>
+          </p:nvPr>
+        </p:nvSpPr>
+        <p:spPr/>
+        <p:txBody>
+          <a:bodyPr/>
+          <a:lstStyle/>
+          <a:p>
+            <a:r>
+              <a:rPr lang="en-US" altLang="ko-KR" dirty="0"/>
+              <a:t>Level 03</a:t>
+            </a:r>
+            <a:endParaRPr lang="ko-KR" altLang="en-US" dirty="0"/>
+          </a:p>
+        </p:txBody>
+      </p:sp>
+      <p:sp>
+        <p:nvSpPr>
+          <p:cNvPr id="6" name="TextBox 5">
+            <a:extLst>
+              <a:ext uri="{FF2B5EF4-FFF2-40B4-BE49-F238E27FC236}">
+                <a16:creationId xmlns:a16="http://schemas.microsoft.com/office/drawing/2014/main" id="{08F6CA4D-10D1-48B8-878F-258D27A5B856}"/>
+              </a:ext>
+            </a:extLst>
+          </p:cNvPr>
+          <p:cNvSpPr txBox="1"/>
+          <p:nvPr/>
+        </p:nvSpPr>
+        <p:spPr>
+          <a:xfrm>
+            <a:off x="838200" y="3429000"/>
+            <a:ext cx="6932645" cy="646331"/>
+          </a:xfrm>
+          <a:prstGeom prst="rect">
+            <a:avLst/>
+          </a:prstGeom>
+          <a:noFill/>
+        </p:spPr>
+        <p:txBody>
+          <a:bodyPr wrap="square" rtlCol="0">
+            <a:spAutoFit/>
+          </a:bodyPr>
+          <a:lstStyle/>
+          <a:p>
+            <a:r>
+              <a:rPr lang="en-US" altLang="ko-KR" dirty="0"/>
+              <a:t>writable.sh</a:t>
+            </a:r>
+            <a:r>
+              <a:rPr lang="ko-KR" altLang="en-US" dirty="0"/>
+              <a:t>를 보면 </a:t>
+            </a:r>
+            <a:r>
+              <a:rPr lang="en-US" altLang="ko-KR" dirty="0" err="1"/>
+              <a:t>writable.d</a:t>
+            </a:r>
+            <a:r>
+              <a:rPr lang="ko-KR" altLang="en-US" dirty="0"/>
+              <a:t>에 있는 실행 가능한 파일을 모두 실행 한 뒤 삭제하는 쉘 스크립트이다</a:t>
+            </a:r>
+            <a:r>
+              <a:rPr lang="en-US" altLang="ko-KR" dirty="0"/>
+              <a:t>.</a:t>
+            </a:r>
+            <a:endParaRPr lang="ko-KR" altLang="en-US" dirty="0"/>
+          </a:p>
+        </p:txBody>
+      </p:sp>
+      <p:pic>
+        <p:nvPicPr>
+          <p:cNvPr id="8" name="내용 개체 틀 7" descr="꽃, 그리기이(가) 표시된 사진&#10;&#10;자동 생성된 설명">
+            <a:extLst>
+              <a:ext uri="{FF2B5EF4-FFF2-40B4-BE49-F238E27FC236}">
+                <a16:creationId xmlns:a16="http://schemas.microsoft.com/office/drawing/2014/main" id="{8DCA816F-F39E-4B92-A704-B2BA316ADD23}"/>
+              </a:ext>
+            </a:extLst>
+          </p:cNvPr>
+          <p:cNvPicPr>
+            <a:picLocks noGrp="1" noChangeAspect="1"/>
+          </p:cNvPicPr>
+          <p:nvPr>
+            <p:ph idx="1"/>
+          </p:nvPr>
+        </p:nvPicPr>
+        <p:blipFill>
+          <a:blip r:embed="rId2">
+            <a:extLst>
+              <a:ext uri="{28A0092B-C50C-407E-A947-70E740481C1C}">
+                <a14:useLocalDpi xmlns:a14="http://schemas.microsoft.com/office/drawing/2010/main" val="0"/>
+              </a:ext>
+            </a:extLst>
+          </a:blip>
+          <a:stretch>
+            <a:fillRect/>
+          </a:stretch>
+        </p:blipFill>
+        <p:spPr>
+          <a:xfrm>
+            <a:off x="968934" y="1469739"/>
+            <a:ext cx="5572903" cy="1581371"/>
+          </a:xfrm>
+        </p:spPr>
+      </p:pic>
+    </p:spTree>
+    <p:extLst>
+      <p:ext uri="{BB962C8B-B14F-4D97-AF65-F5344CB8AC3E}">
+        <p14:creationId xmlns:p14="http://schemas.microsoft.com/office/powerpoint/2010/main" val="475962703"/>
+      </p:ext>
+    </p:extLst>
+  </p:cSld>
+  <p:clrMapOvr>
+    <a:masterClrMapping/>
+  </p:clrMapOvr>
+</p:sld>
+</file>
+
+<file path=ppt/slides/slide19.xml><?xml version="1.0" encoding="utf-8"?>
+<p:sld xmlns:a="http://schemas.openxmlformats.org/drawingml/2006/main" xmlns:r="http://schemas.openxmlformats.org/officeDocument/2006/relationships" xmlns:p="http://schemas.openxmlformats.org/presentationml/2006/main">
+  <p:cSld>
+    <p:spTree>
+      <p:nvGrpSpPr>
+        <p:cNvPr id="1" name=""/>
+        <p:cNvGrpSpPr/>
+        <p:nvPr/>
+      </p:nvGrpSpPr>
+      <p:grpSpPr>
+        <a:xfrm>
+          <a:off x="0" y="0"/>
+          <a:ext cx="0" cy="0"/>
+          <a:chOff x="0" y="0"/>
+          <a:chExt cx="0" cy="0"/>
+        </a:xfrm>
+      </p:grpSpPr>
+      <p:sp>
+        <p:nvSpPr>
+          <p:cNvPr id="2" name="제목 1">
+            <a:extLst>
+              <a:ext uri="{FF2B5EF4-FFF2-40B4-BE49-F238E27FC236}">
+                <a16:creationId xmlns:a16="http://schemas.microsoft.com/office/drawing/2014/main" id="{B8439444-62FC-43F9-8340-11589F1C201E}"/>
+              </a:ext>
+            </a:extLst>
+          </p:cNvPr>
+          <p:cNvSpPr>
+            <a:spLocks noGrp="1"/>
+          </p:cNvSpPr>
+          <p:nvPr>
+            <p:ph type="title"/>
+          </p:nvPr>
+        </p:nvSpPr>
+        <p:spPr/>
+        <p:txBody>
+          <a:bodyPr/>
+          <a:lstStyle/>
+          <a:p>
+            <a:r>
+              <a:rPr lang="en-US" altLang="ko-KR" dirty="0"/>
+              <a:t>Level 03</a:t>
+            </a:r>
+            <a:endParaRPr lang="ko-KR" altLang="en-US" dirty="0"/>
+          </a:p>
+        </p:txBody>
+      </p:sp>
+      <p:pic>
+        <p:nvPicPr>
+          <p:cNvPr id="5" name="내용 개체 틀 4">
+            <a:extLst>
+              <a:ext uri="{FF2B5EF4-FFF2-40B4-BE49-F238E27FC236}">
+                <a16:creationId xmlns:a16="http://schemas.microsoft.com/office/drawing/2014/main" id="{49CDD7B2-5B50-4870-85C3-728996145336}"/>
+              </a:ext>
+            </a:extLst>
+          </p:cNvPr>
+          <p:cNvPicPr>
+            <a:picLocks noGrp="1" noChangeAspect="1"/>
+          </p:cNvPicPr>
+          <p:nvPr>
+            <p:ph idx="1"/>
+          </p:nvPr>
+        </p:nvPicPr>
+        <p:blipFill>
+          <a:blip r:embed="rId2">
+            <a:extLst>
+              <a:ext uri="{28A0092B-C50C-407E-A947-70E740481C1C}">
+                <a14:useLocalDpi xmlns:a14="http://schemas.microsoft.com/office/drawing/2010/main" val="0"/>
+              </a:ext>
+            </a:extLst>
+          </a:blip>
+          <a:stretch>
+            <a:fillRect/>
+          </a:stretch>
+        </p:blipFill>
+        <p:spPr>
+          <a:xfrm>
+            <a:off x="928863" y="1855918"/>
+            <a:ext cx="6878010" cy="314369"/>
+          </a:xfrm>
+        </p:spPr>
+      </p:pic>
+      <p:sp>
+        <p:nvSpPr>
+          <p:cNvPr id="6" name="TextBox 5">
+            <a:extLst>
+              <a:ext uri="{FF2B5EF4-FFF2-40B4-BE49-F238E27FC236}">
+                <a16:creationId xmlns:a16="http://schemas.microsoft.com/office/drawing/2014/main" id="{F9FAB26D-66EC-4526-A43C-B9EEACE21CE4}"/>
+              </a:ext>
+            </a:extLst>
+          </p:cNvPr>
+          <p:cNvSpPr txBox="1"/>
+          <p:nvPr/>
+        </p:nvSpPr>
+        <p:spPr>
+          <a:xfrm>
+            <a:off x="942392" y="2724539"/>
+            <a:ext cx="6979298" cy="369332"/>
+          </a:xfrm>
+          <a:prstGeom prst="rect">
+            <a:avLst/>
+          </a:prstGeom>
+          <a:noFill/>
+        </p:spPr>
+        <p:txBody>
+          <a:bodyPr wrap="square" rtlCol="0">
+            <a:spAutoFit/>
+          </a:bodyPr>
+          <a:lstStyle/>
+          <a:p>
+            <a:r>
+              <a:rPr lang="ko-KR" altLang="en-US" dirty="0"/>
+              <a:t>우선 </a:t>
+            </a:r>
+            <a:r>
+              <a:rPr lang="en-US" altLang="ko-KR" dirty="0"/>
+              <a:t>/</a:t>
+            </a:r>
+            <a:r>
+              <a:rPr lang="en-US" altLang="ko-KR" dirty="0" err="1"/>
+              <a:t>etc</a:t>
+            </a:r>
+            <a:r>
+              <a:rPr lang="en-US" altLang="ko-KR" dirty="0"/>
+              <a:t>/passwd </a:t>
+            </a:r>
+            <a:r>
+              <a:rPr lang="ko-KR" altLang="en-US" dirty="0"/>
+              <a:t>파일을 참조하여 </a:t>
+            </a:r>
+            <a:r>
+              <a:rPr lang="en-US" altLang="ko-KR" dirty="0"/>
+              <a:t>flag03 </a:t>
+            </a:r>
+            <a:r>
+              <a:rPr lang="ko-KR" altLang="en-US" dirty="0"/>
+              <a:t>계정의 </a:t>
+            </a:r>
+            <a:r>
+              <a:rPr lang="en-US" altLang="ko-KR" dirty="0" err="1"/>
+              <a:t>uid</a:t>
+            </a:r>
+            <a:r>
+              <a:rPr lang="ko-KR" altLang="en-US" dirty="0"/>
+              <a:t>를 알아낸다</a:t>
+            </a:r>
+            <a:r>
+              <a:rPr lang="en-US" altLang="ko-KR" dirty="0"/>
+              <a:t>.</a:t>
+            </a:r>
+            <a:endParaRPr lang="ko-KR" altLang="en-US" dirty="0"/>
+          </a:p>
+        </p:txBody>
+      </p:sp>
+    </p:spTree>
+    <p:extLst>
+      <p:ext uri="{BB962C8B-B14F-4D97-AF65-F5344CB8AC3E}">
+        <p14:creationId xmlns:p14="http://schemas.microsoft.com/office/powerpoint/2010/main" val="3111625447"/>
       </p:ext>
     </p:extLst>
   </p:cSld>
@@ -4707,6 +5488,793 @@
     <p:extLst>
       <p:ext uri="{BB962C8B-B14F-4D97-AF65-F5344CB8AC3E}">
         <p14:creationId xmlns:p14="http://schemas.microsoft.com/office/powerpoint/2010/main" val="1037905984"/>
+      </p:ext>
+    </p:extLst>
+  </p:cSld>
+  <p:clrMapOvr>
+    <a:masterClrMapping/>
+  </p:clrMapOvr>
+</p:sld>
+</file>
+
+<file path=ppt/slides/slide20.xml><?xml version="1.0" encoding="utf-8"?>
+<p:sld xmlns:a="http://schemas.openxmlformats.org/drawingml/2006/main" xmlns:r="http://schemas.openxmlformats.org/officeDocument/2006/relationships" xmlns:p="http://schemas.openxmlformats.org/presentationml/2006/main">
+  <p:cSld>
+    <p:bg>
+      <p:bgPr>
+        <a:solidFill>
+          <a:schemeClr val="bg1"/>
+        </a:solidFill>
+        <a:effectLst/>
+      </p:bgPr>
+    </p:bg>
+    <p:spTree>
+      <p:nvGrpSpPr>
+        <p:cNvPr id="1" name=""/>
+        <p:cNvGrpSpPr/>
+        <p:nvPr/>
+      </p:nvGrpSpPr>
+      <p:grpSpPr>
+        <a:xfrm>
+          <a:off x="0" y="0"/>
+          <a:ext cx="0" cy="0"/>
+          <a:chOff x="0" y="0"/>
+          <a:chExt cx="0" cy="0"/>
+        </a:xfrm>
+      </p:grpSpPr>
+      <p:sp useBgFill="1">
+        <p:nvSpPr>
+          <p:cNvPr id="12" name="Rectangle 11">
+            <a:extLst>
+              <a:ext uri="{FF2B5EF4-FFF2-40B4-BE49-F238E27FC236}">
+                <a16:creationId xmlns:a16="http://schemas.microsoft.com/office/drawing/2014/main" id="{E45CA849-654C-4173-AD99-B3A2528275F5}"/>
+              </a:ext>
+              <a:ext uri="{C183D7F6-B498-43B3-948B-1728B52AA6E4}">
+                <adec:decorative xmlns:adec="http://schemas.microsoft.com/office/drawing/2017/decorative" val="1"/>
+              </a:ext>
+            </a:extLst>
+          </p:cNvPr>
+          <p:cNvSpPr>
+            <a:spLocks noGrp="1" noRot="1" noChangeAspect="1" noMove="1" noResize="1" noEditPoints="1" noAdjustHandles="1" noChangeArrowheads="1" noChangeShapeType="1" noTextEdit="1"/>
+          </p:cNvSpPr>
+          <p:nvPr>
+            <p:extLst>
+              <p:ext uri="{386F3935-93C4-4BCD-93E2-E3B085C9AB24}">
+                <p16:designElem xmlns:p16="http://schemas.microsoft.com/office/powerpoint/2015/main" val="1"/>
+              </p:ext>
+            </p:extLst>
+          </p:nvPr>
+        </p:nvSpPr>
+        <p:spPr>
+          <a:xfrm>
+            <a:off x="0" y="0"/>
+            <a:ext cx="12192000" cy="6858000"/>
+          </a:xfrm>
+          <a:prstGeom prst="rect">
+            <a:avLst/>
+          </a:prstGeom>
+          <a:ln>
+            <a:noFill/>
+          </a:ln>
+        </p:spPr>
+        <p:style>
+          <a:lnRef idx="2">
+            <a:schemeClr val="accent1">
+              <a:shade val="50000"/>
+            </a:schemeClr>
+          </a:lnRef>
+          <a:fillRef idx="1">
+            <a:schemeClr val="accent1"/>
+          </a:fillRef>
+          <a:effectRef idx="0">
+            <a:schemeClr val="accent1"/>
+          </a:effectRef>
+          <a:fontRef idx="minor">
+            <a:schemeClr val="lt1"/>
+          </a:fontRef>
+        </p:style>
+        <p:txBody>
+          <a:bodyPr rtlCol="0" anchor="ctr"/>
+          <a:lstStyle/>
+          <a:p>
+            <a:pPr algn="ctr"/>
+            <a:endParaRPr lang="en-US"/>
+          </a:p>
+        </p:txBody>
+      </p:sp>
+      <p:sp>
+        <p:nvSpPr>
+          <p:cNvPr id="2" name="제목 1">
+            <a:extLst>
+              <a:ext uri="{FF2B5EF4-FFF2-40B4-BE49-F238E27FC236}">
+                <a16:creationId xmlns:a16="http://schemas.microsoft.com/office/drawing/2014/main" id="{2F7697C0-EFA7-4DD8-9A3A-695018B454E4}"/>
+              </a:ext>
+            </a:extLst>
+          </p:cNvPr>
+          <p:cNvSpPr>
+            <a:spLocks noGrp="1"/>
+          </p:cNvSpPr>
+          <p:nvPr>
+            <p:ph type="title"/>
+          </p:nvPr>
+        </p:nvSpPr>
+        <p:spPr>
+          <a:xfrm>
+            <a:off x="429768" y="411480"/>
+            <a:ext cx="11201400" cy="1106424"/>
+          </a:xfrm>
+        </p:spPr>
+        <p:txBody>
+          <a:bodyPr>
+            <a:normAutofit/>
+          </a:bodyPr>
+          <a:lstStyle/>
+          <a:p>
+            <a:r>
+              <a:rPr lang="en-US" altLang="ko-KR" sz="3600"/>
+              <a:t>Level 03</a:t>
+            </a:r>
+            <a:endParaRPr lang="ko-KR" altLang="en-US" sz="3600"/>
+          </a:p>
+        </p:txBody>
+      </p:sp>
+      <p:sp>
+        <p:nvSpPr>
+          <p:cNvPr id="14" name="Rectangle 13">
+            <a:extLst>
+              <a:ext uri="{FF2B5EF4-FFF2-40B4-BE49-F238E27FC236}">
+                <a16:creationId xmlns:a16="http://schemas.microsoft.com/office/drawing/2014/main" id="{3E23A947-2D45-4208-AE2B-64948C87A3EB}"/>
+              </a:ext>
+              <a:ext uri="{C183D7F6-B498-43B3-948B-1728B52AA6E4}">
+                <adec:decorative xmlns:adec="http://schemas.microsoft.com/office/drawing/2017/decorative" val="1"/>
+              </a:ext>
+            </a:extLst>
+          </p:cNvPr>
+          <p:cNvSpPr>
+            <a:spLocks noGrp="1" noRot="1" noChangeAspect="1" noMove="1" noResize="1" noEditPoints="1" noAdjustHandles="1" noChangeArrowheads="1" noChangeShapeType="1" noTextEdit="1"/>
+          </p:cNvSpPr>
+          <p:nvPr>
+            <p:extLst>
+              <p:ext uri="{386F3935-93C4-4BCD-93E2-E3B085C9AB24}">
+                <p16:designElem xmlns:p16="http://schemas.microsoft.com/office/powerpoint/2015/main" val="1"/>
+              </p:ext>
+            </p:extLst>
+          </p:nvPr>
+        </p:nvSpPr>
+        <p:spPr>
+          <a:xfrm>
+            <a:off x="0" y="587931"/>
+            <a:ext cx="128016" cy="704088"/>
+          </a:xfrm>
+          <a:prstGeom prst="rect">
+            <a:avLst/>
+          </a:prstGeom>
+          <a:solidFill>
+            <a:schemeClr val="accent2"/>
+          </a:solidFill>
+          <a:ln>
+            <a:noFill/>
+          </a:ln>
+        </p:spPr>
+        <p:style>
+          <a:lnRef idx="2">
+            <a:schemeClr val="accent1">
+              <a:shade val="50000"/>
+            </a:schemeClr>
+          </a:lnRef>
+          <a:fillRef idx="1">
+            <a:schemeClr val="accent1"/>
+          </a:fillRef>
+          <a:effectRef idx="0">
+            <a:schemeClr val="accent1"/>
+          </a:effectRef>
+          <a:fontRef idx="minor">
+            <a:schemeClr val="lt1"/>
+          </a:fontRef>
+        </p:style>
+        <p:txBody>
+          <a:bodyPr rtlCol="0" anchor="ctr"/>
+          <a:lstStyle/>
+          <a:p>
+            <a:pPr marL="0" marR="0" lvl="0" indent="0" algn="ctr" defTabSz="914400" rtl="0" eaLnBrk="1" fontAlgn="auto" latinLnBrk="0" hangingPunct="1">
+              <a:lnSpc>
+                <a:spcPct val="100000"/>
+              </a:lnSpc>
+              <a:spcBef>
+                <a:spcPts val="0"/>
+              </a:spcBef>
+              <a:spcAft>
+                <a:spcPts val="0"/>
+              </a:spcAft>
+              <a:buClrTx/>
+              <a:buSzTx/>
+              <a:buFontTx/>
+              <a:buNone/>
+              <a:tabLst/>
+              <a:defRPr/>
+            </a:pPr>
+            <a:endParaRPr kumimoji="0" lang="en-US" sz="1800" b="0" i="0" u="none" strike="noStrike" kern="1200" cap="none" spc="0" normalizeH="0" baseline="0" noProof="0">
+              <a:ln>
+                <a:noFill/>
+              </a:ln>
+              <a:solidFill>
+                <a:prstClr val="white"/>
+              </a:solidFill>
+              <a:effectLst/>
+              <a:uLnTx/>
+              <a:uFillTx/>
+              <a:latin typeface="Calibri" panose="020F0502020204030204"/>
+              <a:ea typeface="+mn-ea"/>
+              <a:cs typeface="+mn-cs"/>
+            </a:endParaRPr>
+          </a:p>
+        </p:txBody>
+      </p:sp>
+      <p:pic>
+        <p:nvPicPr>
+          <p:cNvPr id="5" name="내용 개체 틀 4" descr="노트북, 컴퓨터이(가) 표시된 사진&#10;&#10;자동 생성된 설명">
+            <a:extLst>
+              <a:ext uri="{FF2B5EF4-FFF2-40B4-BE49-F238E27FC236}">
+                <a16:creationId xmlns:a16="http://schemas.microsoft.com/office/drawing/2014/main" id="{CE6BC7A1-C8DF-4CEB-996D-55EEC90EC203}"/>
+              </a:ext>
+            </a:extLst>
+          </p:cNvPr>
+          <p:cNvPicPr>
+            <a:picLocks noChangeAspect="1"/>
+          </p:cNvPicPr>
+          <p:nvPr/>
+        </p:nvPicPr>
+        <p:blipFill rotWithShape="1">
+          <a:blip r:embed="rId2">
+            <a:extLst>
+              <a:ext uri="{28A0092B-C50C-407E-A947-70E740481C1C}">
+                <a14:useLocalDpi xmlns:a14="http://schemas.microsoft.com/office/drawing/2010/main" val="0"/>
+              </a:ext>
+            </a:extLst>
+          </a:blip>
+          <a:srcRect r="9885" b="-2"/>
+          <a:stretch/>
+        </p:blipFill>
+        <p:spPr>
+          <a:xfrm>
+            <a:off x="429768" y="1721922"/>
+            <a:ext cx="6704891" cy="4520559"/>
+          </a:xfrm>
+          <a:prstGeom prst="rect">
+            <a:avLst/>
+          </a:prstGeom>
+        </p:spPr>
+      </p:pic>
+      <p:sp useBgFill="1">
+        <p:nvSpPr>
+          <p:cNvPr id="16" name="Rectangle 15">
+            <a:extLst>
+              <a:ext uri="{FF2B5EF4-FFF2-40B4-BE49-F238E27FC236}">
+                <a16:creationId xmlns:a16="http://schemas.microsoft.com/office/drawing/2014/main" id="{E5BBB0F9-6A59-4D02-A9C7-A2D6516684CE}"/>
+              </a:ext>
+              <a:ext uri="{C183D7F6-B498-43B3-948B-1728B52AA6E4}">
+                <adec:decorative xmlns:adec="http://schemas.microsoft.com/office/drawing/2017/decorative" val="1"/>
+              </a:ext>
+            </a:extLst>
+          </p:cNvPr>
+          <p:cNvSpPr>
+            <a:spLocks noGrp="1" noRot="1" noChangeAspect="1" noMove="1" noResize="1" noEditPoints="1" noAdjustHandles="1" noChangeArrowheads="1" noChangeShapeType="1" noTextEdit="1"/>
+          </p:cNvSpPr>
+          <p:nvPr>
+            <p:extLst>
+              <p:ext uri="{386F3935-93C4-4BCD-93E2-E3B085C9AB24}">
+                <p16:designElem xmlns:p16="http://schemas.microsoft.com/office/powerpoint/2015/main" val="1"/>
+              </p:ext>
+            </p:extLst>
+          </p:nvPr>
+        </p:nvSpPr>
+        <p:spPr>
+          <a:xfrm>
+            <a:off x="7543801" y="1721922"/>
+            <a:ext cx="4218432" cy="4520560"/>
+          </a:xfrm>
+          <a:prstGeom prst="rect">
+            <a:avLst/>
+          </a:prstGeom>
+          <a:ln w="9525">
+            <a:solidFill>
+              <a:srgbClr val="EFEFEF"/>
+            </a:solidFill>
+          </a:ln>
+          <a:effectLst>
+            <a:outerShdw blurRad="50800" dist="38100" dir="2700000" algn="tl" rotWithShape="0">
+              <a:schemeClr val="bg1">
+                <a:lumMod val="85000"/>
+                <a:alpha val="30000"/>
+              </a:schemeClr>
+            </a:outerShdw>
+          </a:effectLst>
+        </p:spPr>
+        <p:style>
+          <a:lnRef idx="2">
+            <a:schemeClr val="accent1">
+              <a:shade val="50000"/>
+            </a:schemeClr>
+          </a:lnRef>
+          <a:fillRef idx="1">
+            <a:schemeClr val="accent1"/>
+          </a:fillRef>
+          <a:effectRef idx="0">
+            <a:schemeClr val="accent1"/>
+          </a:effectRef>
+          <a:fontRef idx="minor">
+            <a:schemeClr val="lt1"/>
+          </a:fontRef>
+        </p:style>
+        <p:txBody>
+          <a:bodyPr rtlCol="0" anchor="ctr"/>
+          <a:lstStyle/>
+          <a:p>
+            <a:pPr marL="0" marR="0" lvl="0" indent="0" algn="ctr" defTabSz="914400" rtl="0" eaLnBrk="1" fontAlgn="auto" latinLnBrk="0" hangingPunct="1">
+              <a:lnSpc>
+                <a:spcPct val="100000"/>
+              </a:lnSpc>
+              <a:spcBef>
+                <a:spcPts val="0"/>
+              </a:spcBef>
+              <a:spcAft>
+                <a:spcPts val="0"/>
+              </a:spcAft>
+              <a:buClrTx/>
+              <a:buSzTx/>
+              <a:buFontTx/>
+              <a:buNone/>
+              <a:tabLst/>
+              <a:defRPr/>
+            </a:pPr>
+            <a:endParaRPr kumimoji="0" lang="en-US" sz="1800" b="0" i="0" u="none" strike="noStrike" kern="1200" cap="none" spc="0" normalizeH="0" baseline="0" noProof="0">
+              <a:ln>
+                <a:noFill/>
+              </a:ln>
+              <a:solidFill>
+                <a:prstClr val="white"/>
+              </a:solidFill>
+              <a:effectLst/>
+              <a:uLnTx/>
+              <a:uFillTx/>
+              <a:latin typeface="Calibri" panose="020F0502020204030204"/>
+              <a:ea typeface="+mn-ea"/>
+              <a:cs typeface="+mn-cs"/>
+            </a:endParaRPr>
+          </a:p>
+        </p:txBody>
+      </p:sp>
+      <p:sp>
+        <p:nvSpPr>
+          <p:cNvPr id="9" name="Content Placeholder 8">
+            <a:extLst>
+              <a:ext uri="{FF2B5EF4-FFF2-40B4-BE49-F238E27FC236}">
+                <a16:creationId xmlns:a16="http://schemas.microsoft.com/office/drawing/2014/main" id="{3D108996-6457-4AF2-84BC-DB6B6FF4C0BE}"/>
+              </a:ext>
+            </a:extLst>
+          </p:cNvPr>
+          <p:cNvSpPr>
+            <a:spLocks noGrp="1"/>
+          </p:cNvSpPr>
+          <p:nvPr>
+            <p:ph idx="1"/>
+          </p:nvPr>
+        </p:nvSpPr>
+        <p:spPr>
+          <a:xfrm>
+            <a:off x="7938752" y="2020824"/>
+            <a:ext cx="3455097" cy="3959352"/>
+          </a:xfrm>
+        </p:spPr>
+        <p:txBody>
+          <a:bodyPr anchor="ctr">
+            <a:normAutofit/>
+          </a:bodyPr>
+          <a:lstStyle/>
+          <a:p>
+            <a:pPr marL="0" indent="0">
+              <a:buNone/>
+            </a:pPr>
+            <a:r>
+              <a:rPr lang="ko-KR" altLang="en-US" sz="1800" dirty="0"/>
+              <a:t>먼저 해당 파일을 작성한다</a:t>
+            </a:r>
+            <a:r>
+              <a:rPr lang="en-US" altLang="ko-KR" sz="1800" dirty="0"/>
+              <a:t>.(</a:t>
+            </a:r>
+            <a:r>
+              <a:rPr lang="en-US" altLang="ko-KR" sz="1800" dirty="0" err="1"/>
+              <a:t>getflag</a:t>
+            </a:r>
+            <a:r>
+              <a:rPr lang="en-US" altLang="ko-KR" sz="1800" dirty="0"/>
+              <a:t>)</a:t>
+            </a:r>
+            <a:endParaRPr lang="en-US" sz="1800" dirty="0"/>
+          </a:p>
+        </p:txBody>
+      </p:sp>
+    </p:spTree>
+    <p:extLst>
+      <p:ext uri="{BB962C8B-B14F-4D97-AF65-F5344CB8AC3E}">
+        <p14:creationId xmlns:p14="http://schemas.microsoft.com/office/powerpoint/2010/main" val="1227986492"/>
+      </p:ext>
+    </p:extLst>
+  </p:cSld>
+  <p:clrMapOvr>
+    <a:masterClrMapping/>
+  </p:clrMapOvr>
+</p:sld>
+</file>
+
+<file path=ppt/slides/slide21.xml><?xml version="1.0" encoding="utf-8"?>
+<p:sld xmlns:a="http://schemas.openxmlformats.org/drawingml/2006/main" xmlns:r="http://schemas.openxmlformats.org/officeDocument/2006/relationships" xmlns:p="http://schemas.openxmlformats.org/presentationml/2006/main">
+  <p:cSld>
+    <p:spTree>
+      <p:nvGrpSpPr>
+        <p:cNvPr id="1" name=""/>
+        <p:cNvGrpSpPr/>
+        <p:nvPr/>
+      </p:nvGrpSpPr>
+      <p:grpSpPr>
+        <a:xfrm>
+          <a:off x="0" y="0"/>
+          <a:ext cx="0" cy="0"/>
+          <a:chOff x="0" y="0"/>
+          <a:chExt cx="0" cy="0"/>
+        </a:xfrm>
+      </p:grpSpPr>
+      <p:sp>
+        <p:nvSpPr>
+          <p:cNvPr id="2" name="제목 1">
+            <a:extLst>
+              <a:ext uri="{FF2B5EF4-FFF2-40B4-BE49-F238E27FC236}">
+                <a16:creationId xmlns:a16="http://schemas.microsoft.com/office/drawing/2014/main" id="{67FD1CD6-A003-4DD3-8A51-A4A8D9561401}"/>
+              </a:ext>
+            </a:extLst>
+          </p:cNvPr>
+          <p:cNvSpPr>
+            <a:spLocks noGrp="1"/>
+          </p:cNvSpPr>
+          <p:nvPr>
+            <p:ph type="title"/>
+          </p:nvPr>
+        </p:nvSpPr>
+        <p:spPr/>
+        <p:txBody>
+          <a:bodyPr/>
+          <a:lstStyle/>
+          <a:p>
+            <a:r>
+              <a:rPr lang="en-US" altLang="ko-KR" dirty="0"/>
+              <a:t>Level 03</a:t>
+            </a:r>
+            <a:endParaRPr lang="ko-KR" altLang="en-US" dirty="0"/>
+          </a:p>
+        </p:txBody>
+      </p:sp>
+      <p:pic>
+        <p:nvPicPr>
+          <p:cNvPr id="9" name="내용 개체 틀 8">
+            <a:extLst>
+              <a:ext uri="{FF2B5EF4-FFF2-40B4-BE49-F238E27FC236}">
+                <a16:creationId xmlns:a16="http://schemas.microsoft.com/office/drawing/2014/main" id="{90099FF2-6711-4621-A399-522B99A99CF9}"/>
+              </a:ext>
+            </a:extLst>
+          </p:cNvPr>
+          <p:cNvPicPr>
+            <a:picLocks noGrp="1" noChangeAspect="1"/>
+          </p:cNvPicPr>
+          <p:nvPr>
+            <p:ph idx="1"/>
+          </p:nvPr>
+        </p:nvPicPr>
+        <p:blipFill>
+          <a:blip r:embed="rId2">
+            <a:extLst>
+              <a:ext uri="{28A0092B-C50C-407E-A947-70E740481C1C}">
+                <a14:useLocalDpi xmlns:a14="http://schemas.microsoft.com/office/drawing/2010/main" val="0"/>
+              </a:ext>
+            </a:extLst>
+          </a:blip>
+          <a:stretch>
+            <a:fillRect/>
+          </a:stretch>
+        </p:blipFill>
+        <p:spPr>
+          <a:xfrm>
+            <a:off x="978843" y="1766032"/>
+            <a:ext cx="6820852" cy="3810532"/>
+          </a:xfrm>
+        </p:spPr>
+      </p:pic>
+      <p:sp>
+        <p:nvSpPr>
+          <p:cNvPr id="10" name="TextBox 9">
+            <a:extLst>
+              <a:ext uri="{FF2B5EF4-FFF2-40B4-BE49-F238E27FC236}">
+                <a16:creationId xmlns:a16="http://schemas.microsoft.com/office/drawing/2014/main" id="{DF0A0706-8969-4CCE-8E25-7A3AC3506BBF}"/>
+              </a:ext>
+            </a:extLst>
+          </p:cNvPr>
+          <p:cNvSpPr txBox="1"/>
+          <p:nvPr/>
+        </p:nvSpPr>
+        <p:spPr>
+          <a:xfrm>
+            <a:off x="7968343" y="1828800"/>
+            <a:ext cx="4133461" cy="646331"/>
+          </a:xfrm>
+          <a:prstGeom prst="rect">
+            <a:avLst/>
+          </a:prstGeom>
+          <a:noFill/>
+        </p:spPr>
+        <p:txBody>
+          <a:bodyPr wrap="square" rtlCol="0">
+            <a:spAutoFit/>
+          </a:bodyPr>
+          <a:lstStyle/>
+          <a:p>
+            <a:r>
+              <a:rPr lang="ko-KR" altLang="en-US" dirty="0"/>
+              <a:t>그리고 </a:t>
+            </a:r>
+            <a:r>
+              <a:rPr lang="en-US" altLang="ko-KR" dirty="0" err="1"/>
+              <a:t>getflag</a:t>
+            </a:r>
+            <a:r>
+              <a:rPr lang="ko-KR" altLang="en-US" dirty="0"/>
+              <a:t>를 </a:t>
+            </a:r>
+            <a:r>
+              <a:rPr lang="en-US" altLang="ko-KR" dirty="0"/>
+              <a:t>flag03</a:t>
+            </a:r>
+            <a:r>
+              <a:rPr lang="ko-KR" altLang="en-US" dirty="0"/>
+              <a:t>에 복사하는 프로그램을 작성한다</a:t>
+            </a:r>
+            <a:r>
+              <a:rPr lang="en-US" altLang="ko-KR" dirty="0"/>
+              <a:t>.(</a:t>
+            </a:r>
+            <a:r>
+              <a:rPr lang="en-US" altLang="ko-KR" dirty="0" err="1"/>
+              <a:t>getflag.copy</a:t>
+            </a:r>
+            <a:r>
+              <a:rPr lang="en-US" altLang="ko-KR" dirty="0"/>
+              <a:t>)</a:t>
+            </a:r>
+            <a:endParaRPr lang="ko-KR" altLang="en-US" dirty="0"/>
+          </a:p>
+        </p:txBody>
+      </p:sp>
+    </p:spTree>
+    <p:extLst>
+      <p:ext uri="{BB962C8B-B14F-4D97-AF65-F5344CB8AC3E}">
+        <p14:creationId xmlns:p14="http://schemas.microsoft.com/office/powerpoint/2010/main" val="1664239798"/>
+      </p:ext>
+    </p:extLst>
+  </p:cSld>
+  <p:clrMapOvr>
+    <a:masterClrMapping/>
+  </p:clrMapOvr>
+</p:sld>
+</file>
+
+<file path=ppt/slides/slide22.xml><?xml version="1.0" encoding="utf-8"?>
+<p:sld xmlns:a="http://schemas.openxmlformats.org/drawingml/2006/main" xmlns:r="http://schemas.openxmlformats.org/officeDocument/2006/relationships" xmlns:p="http://schemas.openxmlformats.org/presentationml/2006/main">
+  <p:cSld>
+    <p:spTree>
+      <p:nvGrpSpPr>
+        <p:cNvPr id="1" name=""/>
+        <p:cNvGrpSpPr/>
+        <p:nvPr/>
+      </p:nvGrpSpPr>
+      <p:grpSpPr>
+        <a:xfrm>
+          <a:off x="0" y="0"/>
+          <a:ext cx="0" cy="0"/>
+          <a:chOff x="0" y="0"/>
+          <a:chExt cx="0" cy="0"/>
+        </a:xfrm>
+      </p:grpSpPr>
+      <p:sp>
+        <p:nvSpPr>
+          <p:cNvPr id="2" name="제목 1">
+            <a:extLst>
+              <a:ext uri="{FF2B5EF4-FFF2-40B4-BE49-F238E27FC236}">
+                <a16:creationId xmlns:a16="http://schemas.microsoft.com/office/drawing/2014/main" id="{A56BB802-52A3-4BCE-8D7B-F37AD7F3182A}"/>
+              </a:ext>
+            </a:extLst>
+          </p:cNvPr>
+          <p:cNvSpPr>
+            <a:spLocks noGrp="1"/>
+          </p:cNvSpPr>
+          <p:nvPr>
+            <p:ph type="title"/>
+          </p:nvPr>
+        </p:nvSpPr>
+        <p:spPr/>
+        <p:txBody>
+          <a:bodyPr/>
+          <a:lstStyle/>
+          <a:p>
+            <a:r>
+              <a:rPr lang="en-US" altLang="ko-KR" dirty="0"/>
+              <a:t>Level 03</a:t>
+            </a:r>
+            <a:endParaRPr lang="ko-KR" altLang="en-US" dirty="0"/>
+          </a:p>
+        </p:txBody>
+      </p:sp>
+      <p:pic>
+        <p:nvPicPr>
+          <p:cNvPr id="5" name="내용 개체 틀 4">
+            <a:extLst>
+              <a:ext uri="{FF2B5EF4-FFF2-40B4-BE49-F238E27FC236}">
+                <a16:creationId xmlns:a16="http://schemas.microsoft.com/office/drawing/2014/main" id="{0A3C914C-C267-4F54-9CED-5851043E1B0C}"/>
+              </a:ext>
+            </a:extLst>
+          </p:cNvPr>
+          <p:cNvPicPr>
+            <a:picLocks noGrp="1" noChangeAspect="1"/>
+          </p:cNvPicPr>
+          <p:nvPr>
+            <p:ph idx="1"/>
+          </p:nvPr>
+        </p:nvPicPr>
+        <p:blipFill>
+          <a:blip r:embed="rId2">
+            <a:extLst>
+              <a:ext uri="{28A0092B-C50C-407E-A947-70E740481C1C}">
+                <a14:useLocalDpi xmlns:a14="http://schemas.microsoft.com/office/drawing/2010/main" val="0"/>
+              </a:ext>
+            </a:extLst>
+          </a:blip>
+          <a:stretch>
+            <a:fillRect/>
+          </a:stretch>
+        </p:blipFill>
+        <p:spPr>
+          <a:xfrm>
+            <a:off x="924100" y="1690688"/>
+            <a:ext cx="6887536" cy="190527"/>
+          </a:xfrm>
+        </p:spPr>
+      </p:pic>
+      <p:sp>
+        <p:nvSpPr>
+          <p:cNvPr id="6" name="TextBox 5">
+            <a:extLst>
+              <a:ext uri="{FF2B5EF4-FFF2-40B4-BE49-F238E27FC236}">
+                <a16:creationId xmlns:a16="http://schemas.microsoft.com/office/drawing/2014/main" id="{9AD8B35F-BCD0-40DD-B908-579FC14EAFDF}"/>
+              </a:ext>
+            </a:extLst>
+          </p:cNvPr>
+          <p:cNvSpPr txBox="1"/>
+          <p:nvPr/>
+        </p:nvSpPr>
+        <p:spPr>
+          <a:xfrm>
+            <a:off x="931178" y="2164360"/>
+            <a:ext cx="6988029" cy="1754326"/>
+          </a:xfrm>
+          <a:prstGeom prst="rect">
+            <a:avLst/>
+          </a:prstGeom>
+          <a:noFill/>
+        </p:spPr>
+        <p:txBody>
+          <a:bodyPr wrap="square" rtlCol="0">
+            <a:spAutoFit/>
+          </a:bodyPr>
+          <a:lstStyle/>
+          <a:p>
+            <a:r>
+              <a:rPr lang="ko-KR" altLang="en-US" dirty="0"/>
+              <a:t>그리고 </a:t>
+            </a:r>
+            <a:r>
+              <a:rPr lang="en-US" altLang="ko-KR" dirty="0" err="1"/>
+              <a:t>getflag_copy</a:t>
+            </a:r>
+            <a:r>
+              <a:rPr lang="ko-KR" altLang="en-US" dirty="0"/>
+              <a:t>를 컴파일 후 권한을 </a:t>
+            </a:r>
+            <a:r>
+              <a:rPr lang="en-US" altLang="ko-KR" dirty="0"/>
+              <a:t>777</a:t>
+            </a:r>
+            <a:r>
+              <a:rPr lang="ko-KR" altLang="en-US" dirty="0"/>
+              <a:t>로 한 다음에 </a:t>
+            </a:r>
+            <a:r>
+              <a:rPr lang="en-US" altLang="ko-KR" dirty="0" err="1"/>
+              <a:t>writable.d</a:t>
+            </a:r>
+            <a:r>
+              <a:rPr lang="ko-KR" altLang="en-US" dirty="0"/>
+              <a:t>에 옮기고 </a:t>
+            </a:r>
+            <a:r>
+              <a:rPr lang="en-US" altLang="ko-KR" dirty="0"/>
+              <a:t>writable.sh</a:t>
+            </a:r>
+            <a:r>
+              <a:rPr lang="ko-KR" altLang="en-US" dirty="0"/>
+              <a:t>를 실행하면 되는데</a:t>
+            </a:r>
+            <a:r>
+              <a:rPr lang="en-US" altLang="ko-KR" dirty="0"/>
+              <a:t>, </a:t>
+            </a:r>
+            <a:r>
+              <a:rPr lang="ko-KR" altLang="en-US" dirty="0"/>
+              <a:t>문제의 오류인지 실행 할 파일이 없다고 나왔다</a:t>
+            </a:r>
+            <a:r>
+              <a:rPr lang="en-US" altLang="ko-KR" dirty="0"/>
+              <a:t>. </a:t>
+            </a:r>
+            <a:r>
+              <a:rPr lang="ko-KR" altLang="en-US" dirty="0" err="1"/>
+              <a:t>구글링</a:t>
+            </a:r>
+            <a:r>
+              <a:rPr lang="ko-KR" altLang="en-US" dirty="0"/>
+              <a:t> 해보니 대부분 비슷한 방법을 썼고</a:t>
+            </a:r>
+            <a:r>
+              <a:rPr lang="en-US" altLang="ko-KR" dirty="0"/>
+              <a:t>, writable.sh</a:t>
+            </a:r>
+            <a:r>
+              <a:rPr lang="ko-KR" altLang="en-US" dirty="0"/>
+              <a:t>가 </a:t>
+            </a:r>
+            <a:r>
+              <a:rPr lang="en-US" altLang="ko-KR" dirty="0"/>
+              <a:t>crontab</a:t>
+            </a:r>
+            <a:r>
+              <a:rPr lang="ko-KR" altLang="en-US" dirty="0"/>
+              <a:t>에 존재하므로 넣고 기다려도 된다는데</a:t>
+            </a:r>
+            <a:r>
+              <a:rPr lang="en-US" altLang="ko-KR" dirty="0"/>
+              <a:t>, </a:t>
+            </a:r>
+            <a:r>
+              <a:rPr lang="ko-KR" altLang="en-US" dirty="0"/>
+              <a:t>두 방법을 써도 똑같이 실행 할 파일이 없다는 메시지만 출력되었다</a:t>
+            </a:r>
+            <a:r>
+              <a:rPr lang="en-US" altLang="ko-KR" dirty="0"/>
+              <a:t>. </a:t>
+            </a:r>
+            <a:r>
+              <a:rPr lang="ko-KR" altLang="en-US" dirty="0"/>
+              <a:t>그러므로 문제오류로 보이므로 넘어가려고 한다</a:t>
+            </a:r>
+            <a:r>
+              <a:rPr lang="en-US" altLang="ko-KR" dirty="0"/>
+              <a:t>.</a:t>
+            </a:r>
+            <a:endParaRPr lang="ko-KR" altLang="en-US" dirty="0"/>
+          </a:p>
+        </p:txBody>
+      </p:sp>
+    </p:spTree>
+    <p:extLst>
+      <p:ext uri="{BB962C8B-B14F-4D97-AF65-F5344CB8AC3E}">
+        <p14:creationId xmlns:p14="http://schemas.microsoft.com/office/powerpoint/2010/main" val="919074105"/>
       </p:ext>
     </p:extLst>
   </p:cSld>
